--- a/docs/week-1/week-1.tr.md_word.pptx
+++ b/docs/week-1/week-1.tr.md_word.pptx
@@ -15,15 +15,8 @@
     <p:sldId id="263" r:id="rId9"/>
     <p:sldId id="264" r:id="rId10"/>
     <p:sldId id="265" r:id="rId11"/>
-    <p:sldId id="266" r:id="rId12"/>
-    <p:sldId id="267" r:id="rId13"/>
-    <p:sldId id="268" r:id="rId14"/>
-    <p:sldId id="269" r:id="rId15"/>
-    <p:sldId id="270" r:id="rId16"/>
-    <p:sldId id="271" r:id="rId17"/>
-    <p:sldId id="272" r:id="rId18"/>
   </p:sldIdLst>
-  <p:sldSz cx="9144000" cy="6858000" type="screen4x3"/>
+  <p:sldSz cx="9144000" cy="5143500" type="screen16x9"/>
   <p:notesSz cx="6858000" cy="9144000"/>
   <p:defaultTextStyle>
     <a:defPPr>
@@ -123,12 +116,12 @@
   <p:extLst>
     <p:ext uri="{EFAFB233-063F-42B5-8137-9DF3F51BA10A}">
       <p15:sldGuideLst xmlns:p15="http://schemas.microsoft.com/office/powerpoint/2012/main">
-        <p15:guide id="1" orient="horz" pos="2160">
+        <p15:guide id="1" orient="horz" pos="1620" userDrawn="1">
           <p15:clr>
             <a:srgbClr val="A4A3A4"/>
           </p15:clr>
         </p15:guide>
-        <p15:guide id="2" pos="2880">
+        <p15:guide id="2" pos="2880" userDrawn="1">
           <p15:clr>
             <a:srgbClr val="A4A3A4"/>
           </p15:clr>
@@ -168,8 +161,8 @@
         </p:nvSpPr>
         <p:spPr>
           <a:xfrm>
-            <a:off x="685800" y="2130425"/>
-            <a:ext cx="7772400" cy="1470025"/>
+            <a:off x="685800" y="1597819"/>
+            <a:ext cx="7772400" cy="1102519"/>
           </a:xfrm>
         </p:spPr>
         <p:txBody>
@@ -177,10 +170,9 @@
           <a:lstStyle/>
           <a:p>
             <a:r>
-              <a:rPr lang="en-US" smtClean="0"/>
+              <a:rPr lang="en-US"/>
               <a:t>Click to edit Master title style</a:t>
             </a:r>
-            <a:endParaRPr lang="en-US"/>
           </a:p>
         </p:txBody>
       </p:sp>
@@ -196,8 +188,8 @@
         </p:nvSpPr>
         <p:spPr>
           <a:xfrm>
-            <a:off x="1371600" y="3886200"/>
-            <a:ext cx="6400800" cy="1752600"/>
+            <a:off x="1371600" y="2914650"/>
+            <a:ext cx="6400800" cy="1314450"/>
           </a:xfrm>
         </p:spPr>
         <p:txBody>
@@ -213,7 +205,7 @@
                 </a:solidFill>
               </a:defRPr>
             </a:lvl1pPr>
-            <a:lvl2pPr marL="457200" indent="0" algn="ctr">
+            <a:lvl2pPr marL="342900" indent="0" algn="ctr">
               <a:buNone/>
               <a:defRPr>
                 <a:solidFill>
@@ -223,7 +215,7 @@
                 </a:solidFill>
               </a:defRPr>
             </a:lvl2pPr>
-            <a:lvl3pPr marL="914400" indent="0" algn="ctr">
+            <a:lvl3pPr marL="685800" indent="0" algn="ctr">
               <a:buNone/>
               <a:defRPr>
                 <a:solidFill>
@@ -233,7 +225,7 @@
                 </a:solidFill>
               </a:defRPr>
             </a:lvl3pPr>
-            <a:lvl4pPr marL="1371600" indent="0" algn="ctr">
+            <a:lvl4pPr marL="1028700" indent="0" algn="ctr">
               <a:buNone/>
               <a:defRPr>
                 <a:solidFill>
@@ -243,7 +235,7 @@
                 </a:solidFill>
               </a:defRPr>
             </a:lvl4pPr>
-            <a:lvl5pPr marL="1828800" indent="0" algn="ctr">
+            <a:lvl5pPr marL="1371600" indent="0" algn="ctr">
               <a:buNone/>
               <a:defRPr>
                 <a:solidFill>
@@ -253,7 +245,7 @@
                 </a:solidFill>
               </a:defRPr>
             </a:lvl5pPr>
-            <a:lvl6pPr marL="2286000" indent="0" algn="ctr">
+            <a:lvl6pPr marL="1714500" indent="0" algn="ctr">
               <a:buNone/>
               <a:defRPr>
                 <a:solidFill>
@@ -263,7 +255,7 @@
                 </a:solidFill>
               </a:defRPr>
             </a:lvl6pPr>
-            <a:lvl7pPr marL="2743200" indent="0" algn="ctr">
+            <a:lvl7pPr marL="2057400" indent="0" algn="ctr">
               <a:buNone/>
               <a:defRPr>
                 <a:solidFill>
@@ -273,7 +265,7 @@
                 </a:solidFill>
               </a:defRPr>
             </a:lvl7pPr>
-            <a:lvl8pPr marL="3200400" indent="0" algn="ctr">
+            <a:lvl8pPr marL="2400300" indent="0" algn="ctr">
               <a:buNone/>
               <a:defRPr>
                 <a:solidFill>
@@ -283,7 +275,7 @@
                 </a:solidFill>
               </a:defRPr>
             </a:lvl8pPr>
-            <a:lvl9pPr marL="3657600" indent="0" algn="ctr">
+            <a:lvl9pPr marL="2743200" indent="0" algn="ctr">
               <a:buNone/>
               <a:defRPr>
                 <a:solidFill>
@@ -296,10 +288,9 @@
           </a:lstStyle>
           <a:p>
             <a:r>
-              <a:rPr lang="en-US" smtClean="0"/>
+              <a:rPr lang="en-US"/>
               <a:t>Click to edit Master subtitle style</a:t>
             </a:r>
-            <a:endParaRPr lang="en-US"/>
           </a:p>
         </p:txBody>
       </p:sp>
@@ -320,7 +311,7 @@
           <a:p>
             <a:fld id="{241EB5C9-1307-BA42-ABA2-0BC069CD8E7F}" type="datetimeFigureOut">
               <a:rPr lang="en-US" smtClean="0"/>
-              <a:t>4/5/2019</a:t>
+              <a:t>1/2/22</a:t>
             </a:fld>
             <a:endParaRPr lang="en-US"/>
           </a:p>
@@ -414,10 +405,9 @@
           <a:lstStyle/>
           <a:p>
             <a:r>
-              <a:rPr lang="en-US" smtClean="0"/>
+              <a:rPr lang="en-US"/>
               <a:t>Click to edit Master title style</a:t>
             </a:r>
-            <a:endParaRPr lang="en-US"/>
           </a:p>
         </p:txBody>
       </p:sp>
@@ -438,38 +428,37 @@
           <a:p>
             <a:pPr lvl="0"/>
             <a:r>
-              <a:rPr lang="en-US" smtClean="0"/>
+              <a:rPr lang="en-US"/>
               <a:t>Click to edit Master text styles</a:t>
             </a:r>
           </a:p>
           <a:p>
             <a:pPr lvl="1"/>
             <a:r>
-              <a:rPr lang="en-US" smtClean="0"/>
+              <a:rPr lang="en-US"/>
               <a:t>Second level</a:t>
             </a:r>
           </a:p>
           <a:p>
             <a:pPr lvl="2"/>
             <a:r>
-              <a:rPr lang="en-US" smtClean="0"/>
+              <a:rPr lang="en-US"/>
               <a:t>Third level</a:t>
             </a:r>
           </a:p>
           <a:p>
             <a:pPr lvl="3"/>
             <a:r>
-              <a:rPr lang="en-US" smtClean="0"/>
+              <a:rPr lang="en-US"/>
               <a:t>Fourth level</a:t>
             </a:r>
           </a:p>
           <a:p>
             <a:pPr lvl="4"/>
             <a:r>
-              <a:rPr lang="en-US" smtClean="0"/>
+              <a:rPr lang="en-US"/>
               <a:t>Fifth level</a:t>
             </a:r>
-            <a:endParaRPr lang="en-US"/>
           </a:p>
         </p:txBody>
       </p:sp>
@@ -490,7 +479,7 @@
           <a:p>
             <a:fld id="{241EB5C9-1307-BA42-ABA2-0BC069CD8E7F}" type="datetimeFigureOut">
               <a:rPr lang="en-US" smtClean="0"/>
-              <a:t>4/5/2019</a:t>
+              <a:t>1/2/22</a:t>
             </a:fld>
             <a:endParaRPr lang="en-US"/>
           </a:p>
@@ -580,8 +569,8 @@
         </p:nvSpPr>
         <p:spPr>
           <a:xfrm>
-            <a:off x="6629400" y="274638"/>
-            <a:ext cx="2057400" cy="5851525"/>
+            <a:off x="6629400" y="205979"/>
+            <a:ext cx="2057400" cy="4388644"/>
           </a:xfrm>
         </p:spPr>
         <p:txBody>
@@ -589,10 +578,9 @@
           <a:lstStyle/>
           <a:p>
             <a:r>
-              <a:rPr lang="en-US" smtClean="0"/>
+              <a:rPr lang="en-US"/>
               <a:t>Click to edit Master title style</a:t>
             </a:r>
-            <a:endParaRPr lang="en-US"/>
           </a:p>
         </p:txBody>
       </p:sp>
@@ -608,8 +596,8 @@
         </p:nvSpPr>
         <p:spPr>
           <a:xfrm>
-            <a:off x="457200" y="274638"/>
-            <a:ext cx="6019800" cy="5851525"/>
+            <a:off x="457200" y="205979"/>
+            <a:ext cx="6019800" cy="4388644"/>
           </a:xfrm>
         </p:spPr>
         <p:txBody>
@@ -618,38 +606,37 @@
           <a:p>
             <a:pPr lvl="0"/>
             <a:r>
-              <a:rPr lang="en-US" smtClean="0"/>
+              <a:rPr lang="en-US"/>
               <a:t>Click to edit Master text styles</a:t>
             </a:r>
           </a:p>
           <a:p>
             <a:pPr lvl="1"/>
             <a:r>
-              <a:rPr lang="en-US" smtClean="0"/>
+              <a:rPr lang="en-US"/>
               <a:t>Second level</a:t>
             </a:r>
           </a:p>
           <a:p>
             <a:pPr lvl="2"/>
             <a:r>
-              <a:rPr lang="en-US" smtClean="0"/>
+              <a:rPr lang="en-US"/>
               <a:t>Third level</a:t>
             </a:r>
           </a:p>
           <a:p>
             <a:pPr lvl="3"/>
             <a:r>
-              <a:rPr lang="en-US" smtClean="0"/>
+              <a:rPr lang="en-US"/>
               <a:t>Fourth level</a:t>
             </a:r>
           </a:p>
           <a:p>
             <a:pPr lvl="4"/>
             <a:r>
-              <a:rPr lang="en-US" smtClean="0"/>
+              <a:rPr lang="en-US"/>
               <a:t>Fifth level</a:t>
             </a:r>
-            <a:endParaRPr lang="en-US"/>
           </a:p>
         </p:txBody>
       </p:sp>
@@ -670,7 +657,7 @@
           <a:p>
             <a:fld id="{241EB5C9-1307-BA42-ABA2-0BC069CD8E7F}" type="datetimeFigureOut">
               <a:rPr lang="en-US" smtClean="0"/>
-              <a:t>4/5/2019</a:t>
+              <a:t>1/2/22</a:t>
             </a:fld>
             <a:endParaRPr lang="en-US"/>
           </a:p>
@@ -764,10 +751,9 @@
           <a:lstStyle/>
           <a:p>
             <a:r>
-              <a:rPr lang="en-US" smtClean="0"/>
+              <a:rPr lang="en-US"/>
               <a:t>Click to edit Master title style</a:t>
             </a:r>
-            <a:endParaRPr lang="en-US"/>
           </a:p>
         </p:txBody>
       </p:sp>
@@ -788,38 +774,37 @@
           <a:p>
             <a:pPr lvl="0"/>
             <a:r>
-              <a:rPr lang="en-US" smtClean="0"/>
+              <a:rPr lang="en-US"/>
               <a:t>Click to edit Master text styles</a:t>
             </a:r>
           </a:p>
           <a:p>
             <a:pPr lvl="1"/>
             <a:r>
-              <a:rPr lang="en-US" smtClean="0"/>
+              <a:rPr lang="en-US"/>
               <a:t>Second level</a:t>
             </a:r>
           </a:p>
           <a:p>
             <a:pPr lvl="2"/>
             <a:r>
-              <a:rPr lang="en-US" smtClean="0"/>
+              <a:rPr lang="en-US"/>
               <a:t>Third level</a:t>
             </a:r>
           </a:p>
           <a:p>
             <a:pPr lvl="3"/>
             <a:r>
-              <a:rPr lang="en-US" smtClean="0"/>
+              <a:rPr lang="en-US"/>
               <a:t>Fourth level</a:t>
             </a:r>
           </a:p>
           <a:p>
             <a:pPr lvl="4"/>
             <a:r>
-              <a:rPr lang="en-US" smtClean="0"/>
+              <a:rPr lang="en-US"/>
               <a:t>Fifth level</a:t>
             </a:r>
-            <a:endParaRPr lang="en-US"/>
           </a:p>
         </p:txBody>
       </p:sp>
@@ -840,7 +825,7 @@
           <a:p>
             <a:fld id="{241EB5C9-1307-BA42-ABA2-0BC069CD8E7F}" type="datetimeFigureOut">
               <a:rPr lang="en-US" smtClean="0"/>
-              <a:t>4/5/2019</a:t>
+              <a:t>1/2/22</a:t>
             </a:fld>
             <a:endParaRPr lang="en-US"/>
           </a:p>
@@ -930,23 +915,22 @@
         </p:nvSpPr>
         <p:spPr>
           <a:xfrm>
-            <a:off x="722313" y="4406900"/>
-            <a:ext cx="7772400" cy="1362075"/>
+            <a:off x="722313" y="3305176"/>
+            <a:ext cx="7772400" cy="1021556"/>
           </a:xfrm>
         </p:spPr>
         <p:txBody>
           <a:bodyPr anchor="t"/>
           <a:lstStyle>
             <a:lvl1pPr algn="l">
-              <a:defRPr sz="4000" b="1" cap="all"/>
+              <a:defRPr sz="3000" b="1" cap="all"/>
             </a:lvl1pPr>
           </a:lstStyle>
           <a:p>
             <a:r>
-              <a:rPr lang="en-US" smtClean="0"/>
+              <a:rPr lang="en-US"/>
               <a:t>Click to edit Master title style</a:t>
             </a:r>
-            <a:endParaRPr lang="en-US"/>
           </a:p>
         </p:txBody>
       </p:sp>
@@ -962,8 +946,8 @@
         </p:nvSpPr>
         <p:spPr>
           <a:xfrm>
-            <a:off x="722313" y="2906713"/>
-            <a:ext cx="7772400" cy="1500187"/>
+            <a:off x="722313" y="2180035"/>
+            <a:ext cx="7772400" cy="1125140"/>
           </a:xfrm>
         </p:spPr>
         <p:txBody>
@@ -971,7 +955,7 @@
           <a:lstStyle>
             <a:lvl1pPr marL="0" indent="0">
               <a:buNone/>
-              <a:defRPr sz="2000">
+              <a:defRPr sz="1500">
                 <a:solidFill>
                   <a:schemeClr val="tx1">
                     <a:tint val="75000"/>
@@ -979,9 +963,9 @@
                 </a:solidFill>
               </a:defRPr>
             </a:lvl1pPr>
-            <a:lvl2pPr marL="457200" indent="0">
-              <a:buNone/>
-              <a:defRPr sz="1800">
+            <a:lvl2pPr marL="342900" indent="0">
+              <a:buNone/>
+              <a:defRPr sz="1350">
                 <a:solidFill>
                   <a:schemeClr val="tx1">
                     <a:tint val="75000"/>
@@ -989,9 +973,9 @@
                 </a:solidFill>
               </a:defRPr>
             </a:lvl2pPr>
-            <a:lvl3pPr marL="914400" indent="0">
-              <a:buNone/>
-              <a:defRPr sz="1600">
+            <a:lvl3pPr marL="685800" indent="0">
+              <a:buNone/>
+              <a:defRPr sz="1200">
                 <a:solidFill>
                   <a:schemeClr val="tx1">
                     <a:tint val="75000"/>
@@ -999,9 +983,9 @@
                 </a:solidFill>
               </a:defRPr>
             </a:lvl3pPr>
-            <a:lvl4pPr marL="1371600" indent="0">
-              <a:buNone/>
-              <a:defRPr sz="1400">
+            <a:lvl4pPr marL="1028700" indent="0">
+              <a:buNone/>
+              <a:defRPr sz="1050">
                 <a:solidFill>
                   <a:schemeClr val="tx1">
                     <a:tint val="75000"/>
@@ -1009,9 +993,9 @@
                 </a:solidFill>
               </a:defRPr>
             </a:lvl4pPr>
-            <a:lvl5pPr marL="1828800" indent="0">
-              <a:buNone/>
-              <a:defRPr sz="1400">
+            <a:lvl5pPr marL="1371600" indent="0">
+              <a:buNone/>
+              <a:defRPr sz="1050">
                 <a:solidFill>
                   <a:schemeClr val="tx1">
                     <a:tint val="75000"/>
@@ -1019,9 +1003,9 @@
                 </a:solidFill>
               </a:defRPr>
             </a:lvl5pPr>
-            <a:lvl6pPr marL="2286000" indent="0">
-              <a:buNone/>
-              <a:defRPr sz="1400">
+            <a:lvl6pPr marL="1714500" indent="0">
+              <a:buNone/>
+              <a:defRPr sz="1050">
                 <a:solidFill>
                   <a:schemeClr val="tx1">
                     <a:tint val="75000"/>
@@ -1029,9 +1013,9 @@
                 </a:solidFill>
               </a:defRPr>
             </a:lvl6pPr>
-            <a:lvl7pPr marL="2743200" indent="0">
-              <a:buNone/>
-              <a:defRPr sz="1400">
+            <a:lvl7pPr marL="2057400" indent="0">
+              <a:buNone/>
+              <a:defRPr sz="1050">
                 <a:solidFill>
                   <a:schemeClr val="tx1">
                     <a:tint val="75000"/>
@@ -1039,9 +1023,9 @@
                 </a:solidFill>
               </a:defRPr>
             </a:lvl7pPr>
-            <a:lvl8pPr marL="3200400" indent="0">
-              <a:buNone/>
-              <a:defRPr sz="1400">
+            <a:lvl8pPr marL="2400300" indent="0">
+              <a:buNone/>
+              <a:defRPr sz="1050">
                 <a:solidFill>
                   <a:schemeClr val="tx1">
                     <a:tint val="75000"/>
@@ -1049,9 +1033,9 @@
                 </a:solidFill>
               </a:defRPr>
             </a:lvl8pPr>
-            <a:lvl9pPr marL="3657600" indent="0">
-              <a:buNone/>
-              <a:defRPr sz="1400">
+            <a:lvl9pPr marL="2743200" indent="0">
+              <a:buNone/>
+              <a:defRPr sz="1050">
                 <a:solidFill>
                   <a:schemeClr val="tx1">
                     <a:tint val="75000"/>
@@ -1063,7 +1047,7 @@
           <a:p>
             <a:pPr lvl="0"/>
             <a:r>
-              <a:rPr lang="en-US" smtClean="0"/>
+              <a:rPr lang="en-US"/>
               <a:t>Click to edit Master text styles</a:t>
             </a:r>
           </a:p>
@@ -1086,7 +1070,7 @@
           <a:p>
             <a:fld id="{241EB5C9-1307-BA42-ABA2-0BC069CD8E7F}" type="datetimeFigureOut">
               <a:rPr lang="en-US" smtClean="0"/>
-              <a:t>4/5/2019</a:t>
+              <a:t>1/2/22</a:t>
             </a:fld>
             <a:endParaRPr lang="en-US"/>
           </a:p>
@@ -1180,10 +1164,9 @@
           <a:lstStyle/>
           <a:p>
             <a:r>
-              <a:rPr lang="en-US" smtClean="0"/>
+              <a:rPr lang="en-US"/>
               <a:t>Click to edit Master title style</a:t>
             </a:r>
-            <a:endParaRPr lang="en-US"/>
           </a:p>
         </p:txBody>
       </p:sp>
@@ -1199,76 +1182,75 @@
         </p:nvSpPr>
         <p:spPr>
           <a:xfrm>
-            <a:off x="457200" y="1600200"/>
-            <a:ext cx="4038600" cy="4525963"/>
+            <a:off x="457200" y="1200151"/>
+            <a:ext cx="4038600" cy="3394472"/>
           </a:xfrm>
         </p:spPr>
         <p:txBody>
           <a:bodyPr/>
           <a:lstStyle>
             <a:lvl1pPr>
-              <a:defRPr sz="2800"/>
+              <a:defRPr sz="2100"/>
             </a:lvl1pPr>
             <a:lvl2pPr>
-              <a:defRPr sz="2400"/>
+              <a:defRPr sz="1800"/>
             </a:lvl2pPr>
             <a:lvl3pPr>
-              <a:defRPr sz="2000"/>
+              <a:defRPr sz="1500"/>
             </a:lvl3pPr>
             <a:lvl4pPr>
-              <a:defRPr sz="1800"/>
+              <a:defRPr sz="1350"/>
             </a:lvl4pPr>
             <a:lvl5pPr>
-              <a:defRPr sz="1800"/>
+              <a:defRPr sz="1350"/>
             </a:lvl5pPr>
             <a:lvl6pPr>
-              <a:defRPr sz="1800"/>
+              <a:defRPr sz="1350"/>
             </a:lvl6pPr>
             <a:lvl7pPr>
-              <a:defRPr sz="1800"/>
+              <a:defRPr sz="1350"/>
             </a:lvl7pPr>
             <a:lvl8pPr>
-              <a:defRPr sz="1800"/>
+              <a:defRPr sz="1350"/>
             </a:lvl8pPr>
             <a:lvl9pPr>
-              <a:defRPr sz="1800"/>
+              <a:defRPr sz="1350"/>
             </a:lvl9pPr>
           </a:lstStyle>
           <a:p>
             <a:pPr lvl="0"/>
             <a:r>
-              <a:rPr lang="en-US" smtClean="0"/>
+              <a:rPr lang="en-US"/>
               <a:t>Click to edit Master text styles</a:t>
             </a:r>
           </a:p>
           <a:p>
             <a:pPr lvl="1"/>
             <a:r>
-              <a:rPr lang="en-US" smtClean="0"/>
+              <a:rPr lang="en-US"/>
               <a:t>Second level</a:t>
             </a:r>
           </a:p>
           <a:p>
             <a:pPr lvl="2"/>
             <a:r>
-              <a:rPr lang="en-US" smtClean="0"/>
+              <a:rPr lang="en-US"/>
               <a:t>Third level</a:t>
             </a:r>
           </a:p>
           <a:p>
             <a:pPr lvl="3"/>
             <a:r>
-              <a:rPr lang="en-US" smtClean="0"/>
+              <a:rPr lang="en-US"/>
               <a:t>Fourth level</a:t>
             </a:r>
           </a:p>
           <a:p>
             <a:pPr lvl="4"/>
             <a:r>
-              <a:rPr lang="en-US" smtClean="0"/>
+              <a:rPr lang="en-US"/>
               <a:t>Fifth level</a:t>
             </a:r>
-            <a:endParaRPr lang="en-US"/>
           </a:p>
         </p:txBody>
       </p:sp>
@@ -1284,76 +1266,75 @@
         </p:nvSpPr>
         <p:spPr>
           <a:xfrm>
-            <a:off x="4648200" y="1600200"/>
-            <a:ext cx="4038600" cy="4525963"/>
+            <a:off x="4648200" y="1200151"/>
+            <a:ext cx="4038600" cy="3394472"/>
           </a:xfrm>
         </p:spPr>
         <p:txBody>
           <a:bodyPr/>
           <a:lstStyle>
             <a:lvl1pPr>
-              <a:defRPr sz="2800"/>
+              <a:defRPr sz="2100"/>
             </a:lvl1pPr>
             <a:lvl2pPr>
-              <a:defRPr sz="2400"/>
+              <a:defRPr sz="1800"/>
             </a:lvl2pPr>
             <a:lvl3pPr>
-              <a:defRPr sz="2000"/>
+              <a:defRPr sz="1500"/>
             </a:lvl3pPr>
             <a:lvl4pPr>
-              <a:defRPr sz="1800"/>
+              <a:defRPr sz="1350"/>
             </a:lvl4pPr>
             <a:lvl5pPr>
-              <a:defRPr sz="1800"/>
+              <a:defRPr sz="1350"/>
             </a:lvl5pPr>
             <a:lvl6pPr>
-              <a:defRPr sz="1800"/>
+              <a:defRPr sz="1350"/>
             </a:lvl6pPr>
             <a:lvl7pPr>
-              <a:defRPr sz="1800"/>
+              <a:defRPr sz="1350"/>
             </a:lvl7pPr>
             <a:lvl8pPr>
-              <a:defRPr sz="1800"/>
+              <a:defRPr sz="1350"/>
             </a:lvl8pPr>
             <a:lvl9pPr>
-              <a:defRPr sz="1800"/>
+              <a:defRPr sz="1350"/>
             </a:lvl9pPr>
           </a:lstStyle>
           <a:p>
             <a:pPr lvl="0"/>
             <a:r>
-              <a:rPr lang="en-US" smtClean="0"/>
+              <a:rPr lang="en-US"/>
               <a:t>Click to edit Master text styles</a:t>
             </a:r>
           </a:p>
           <a:p>
             <a:pPr lvl="1"/>
             <a:r>
-              <a:rPr lang="en-US" smtClean="0"/>
+              <a:rPr lang="en-US"/>
               <a:t>Second level</a:t>
             </a:r>
           </a:p>
           <a:p>
             <a:pPr lvl="2"/>
             <a:r>
-              <a:rPr lang="en-US" smtClean="0"/>
+              <a:rPr lang="en-US"/>
               <a:t>Third level</a:t>
             </a:r>
           </a:p>
           <a:p>
             <a:pPr lvl="3"/>
             <a:r>
-              <a:rPr lang="en-US" smtClean="0"/>
+              <a:rPr lang="en-US"/>
               <a:t>Fourth level</a:t>
             </a:r>
           </a:p>
           <a:p>
             <a:pPr lvl="4"/>
             <a:r>
-              <a:rPr lang="en-US" smtClean="0"/>
+              <a:rPr lang="en-US"/>
               <a:t>Fifth level</a:t>
             </a:r>
-            <a:endParaRPr lang="en-US"/>
           </a:p>
         </p:txBody>
       </p:sp>
@@ -1374,7 +1355,7 @@
           <a:p>
             <a:fld id="{241EB5C9-1307-BA42-ABA2-0BC069CD8E7F}" type="datetimeFigureOut">
               <a:rPr lang="en-US" smtClean="0"/>
-              <a:t>4/5/2019</a:t>
+              <a:t>1/2/22</a:t>
             </a:fld>
             <a:endParaRPr lang="en-US"/>
           </a:p>
@@ -1472,10 +1453,9 @@
           </a:lstStyle>
           <a:p>
             <a:r>
-              <a:rPr lang="en-US" smtClean="0"/>
+              <a:rPr lang="en-US"/>
               <a:t>Click to edit Master title style</a:t>
             </a:r>
-            <a:endParaRPr lang="en-US"/>
           </a:p>
         </p:txBody>
       </p:sp>
@@ -1491,8 +1471,8 @@
         </p:nvSpPr>
         <p:spPr>
           <a:xfrm>
-            <a:off x="457200" y="1535113"/>
-            <a:ext cx="4040188" cy="639762"/>
+            <a:off x="457200" y="1151335"/>
+            <a:ext cx="4040188" cy="479822"/>
           </a:xfrm>
         </p:spPr>
         <p:txBody>
@@ -1500,45 +1480,45 @@
           <a:lstStyle>
             <a:lvl1pPr marL="0" indent="0">
               <a:buNone/>
-              <a:defRPr sz="2400" b="1"/>
+              <a:defRPr sz="1800" b="1"/>
             </a:lvl1pPr>
-            <a:lvl2pPr marL="457200" indent="0">
-              <a:buNone/>
-              <a:defRPr sz="2000" b="1"/>
+            <a:lvl2pPr marL="342900" indent="0">
+              <a:buNone/>
+              <a:defRPr sz="1500" b="1"/>
             </a:lvl2pPr>
-            <a:lvl3pPr marL="914400" indent="0">
-              <a:buNone/>
-              <a:defRPr sz="1800" b="1"/>
+            <a:lvl3pPr marL="685800" indent="0">
+              <a:buNone/>
+              <a:defRPr sz="1350" b="1"/>
             </a:lvl3pPr>
-            <a:lvl4pPr marL="1371600" indent="0">
-              <a:buNone/>
-              <a:defRPr sz="1600" b="1"/>
+            <a:lvl4pPr marL="1028700" indent="0">
+              <a:buNone/>
+              <a:defRPr sz="1200" b="1"/>
             </a:lvl4pPr>
-            <a:lvl5pPr marL="1828800" indent="0">
-              <a:buNone/>
-              <a:defRPr sz="1600" b="1"/>
+            <a:lvl5pPr marL="1371600" indent="0">
+              <a:buNone/>
+              <a:defRPr sz="1200" b="1"/>
             </a:lvl5pPr>
-            <a:lvl6pPr marL="2286000" indent="0">
-              <a:buNone/>
-              <a:defRPr sz="1600" b="1"/>
+            <a:lvl6pPr marL="1714500" indent="0">
+              <a:buNone/>
+              <a:defRPr sz="1200" b="1"/>
             </a:lvl6pPr>
-            <a:lvl7pPr marL="2743200" indent="0">
-              <a:buNone/>
-              <a:defRPr sz="1600" b="1"/>
+            <a:lvl7pPr marL="2057400" indent="0">
+              <a:buNone/>
+              <a:defRPr sz="1200" b="1"/>
             </a:lvl7pPr>
-            <a:lvl8pPr marL="3200400" indent="0">
-              <a:buNone/>
-              <a:defRPr sz="1600" b="1"/>
+            <a:lvl8pPr marL="2400300" indent="0">
+              <a:buNone/>
+              <a:defRPr sz="1200" b="1"/>
             </a:lvl8pPr>
-            <a:lvl9pPr marL="3657600" indent="0">
-              <a:buNone/>
-              <a:defRPr sz="1600" b="1"/>
+            <a:lvl9pPr marL="2743200" indent="0">
+              <a:buNone/>
+              <a:defRPr sz="1200" b="1"/>
             </a:lvl9pPr>
           </a:lstStyle>
           <a:p>
             <a:pPr lvl="0"/>
             <a:r>
-              <a:rPr lang="en-US" smtClean="0"/>
+              <a:rPr lang="en-US"/>
               <a:t>Click to edit Master text styles</a:t>
             </a:r>
           </a:p>
@@ -1556,76 +1536,75 @@
         </p:nvSpPr>
         <p:spPr>
           <a:xfrm>
-            <a:off x="457200" y="2174875"/>
-            <a:ext cx="4040188" cy="3951288"/>
+            <a:off x="457200" y="1631156"/>
+            <a:ext cx="4040188" cy="2963466"/>
           </a:xfrm>
         </p:spPr>
         <p:txBody>
           <a:bodyPr/>
           <a:lstStyle>
             <a:lvl1pPr>
-              <a:defRPr sz="2400"/>
+              <a:defRPr sz="1800"/>
             </a:lvl1pPr>
             <a:lvl2pPr>
-              <a:defRPr sz="2000"/>
+              <a:defRPr sz="1500"/>
             </a:lvl2pPr>
             <a:lvl3pPr>
-              <a:defRPr sz="1800"/>
+              <a:defRPr sz="1350"/>
             </a:lvl3pPr>
             <a:lvl4pPr>
-              <a:defRPr sz="1600"/>
+              <a:defRPr sz="1200"/>
             </a:lvl4pPr>
             <a:lvl5pPr>
-              <a:defRPr sz="1600"/>
+              <a:defRPr sz="1200"/>
             </a:lvl5pPr>
             <a:lvl6pPr>
-              <a:defRPr sz="1600"/>
+              <a:defRPr sz="1200"/>
             </a:lvl6pPr>
             <a:lvl7pPr>
-              <a:defRPr sz="1600"/>
+              <a:defRPr sz="1200"/>
             </a:lvl7pPr>
             <a:lvl8pPr>
-              <a:defRPr sz="1600"/>
+              <a:defRPr sz="1200"/>
             </a:lvl8pPr>
             <a:lvl9pPr>
-              <a:defRPr sz="1600"/>
+              <a:defRPr sz="1200"/>
             </a:lvl9pPr>
           </a:lstStyle>
           <a:p>
             <a:pPr lvl="0"/>
             <a:r>
-              <a:rPr lang="en-US" smtClean="0"/>
+              <a:rPr lang="en-US"/>
               <a:t>Click to edit Master text styles</a:t>
             </a:r>
           </a:p>
           <a:p>
             <a:pPr lvl="1"/>
             <a:r>
-              <a:rPr lang="en-US" smtClean="0"/>
+              <a:rPr lang="en-US"/>
               <a:t>Second level</a:t>
             </a:r>
           </a:p>
           <a:p>
             <a:pPr lvl="2"/>
             <a:r>
-              <a:rPr lang="en-US" smtClean="0"/>
+              <a:rPr lang="en-US"/>
               <a:t>Third level</a:t>
             </a:r>
           </a:p>
           <a:p>
             <a:pPr lvl="3"/>
             <a:r>
-              <a:rPr lang="en-US" smtClean="0"/>
+              <a:rPr lang="en-US"/>
               <a:t>Fourth level</a:t>
             </a:r>
           </a:p>
           <a:p>
             <a:pPr lvl="4"/>
             <a:r>
-              <a:rPr lang="en-US" smtClean="0"/>
+              <a:rPr lang="en-US"/>
               <a:t>Fifth level</a:t>
             </a:r>
-            <a:endParaRPr lang="en-US"/>
           </a:p>
         </p:txBody>
       </p:sp>
@@ -1641,8 +1620,8 @@
         </p:nvSpPr>
         <p:spPr>
           <a:xfrm>
-            <a:off x="4645025" y="1535113"/>
-            <a:ext cx="4041775" cy="639762"/>
+            <a:off x="4645026" y="1151335"/>
+            <a:ext cx="4041775" cy="479822"/>
           </a:xfrm>
         </p:spPr>
         <p:txBody>
@@ -1650,45 +1629,45 @@
           <a:lstStyle>
             <a:lvl1pPr marL="0" indent="0">
               <a:buNone/>
-              <a:defRPr sz="2400" b="1"/>
+              <a:defRPr sz="1800" b="1"/>
             </a:lvl1pPr>
-            <a:lvl2pPr marL="457200" indent="0">
-              <a:buNone/>
-              <a:defRPr sz="2000" b="1"/>
+            <a:lvl2pPr marL="342900" indent="0">
+              <a:buNone/>
+              <a:defRPr sz="1500" b="1"/>
             </a:lvl2pPr>
-            <a:lvl3pPr marL="914400" indent="0">
-              <a:buNone/>
-              <a:defRPr sz="1800" b="1"/>
+            <a:lvl3pPr marL="685800" indent="0">
+              <a:buNone/>
+              <a:defRPr sz="1350" b="1"/>
             </a:lvl3pPr>
-            <a:lvl4pPr marL="1371600" indent="0">
-              <a:buNone/>
-              <a:defRPr sz="1600" b="1"/>
+            <a:lvl4pPr marL="1028700" indent="0">
+              <a:buNone/>
+              <a:defRPr sz="1200" b="1"/>
             </a:lvl4pPr>
-            <a:lvl5pPr marL="1828800" indent="0">
-              <a:buNone/>
-              <a:defRPr sz="1600" b="1"/>
+            <a:lvl5pPr marL="1371600" indent="0">
+              <a:buNone/>
+              <a:defRPr sz="1200" b="1"/>
             </a:lvl5pPr>
-            <a:lvl6pPr marL="2286000" indent="0">
-              <a:buNone/>
-              <a:defRPr sz="1600" b="1"/>
+            <a:lvl6pPr marL="1714500" indent="0">
+              <a:buNone/>
+              <a:defRPr sz="1200" b="1"/>
             </a:lvl6pPr>
-            <a:lvl7pPr marL="2743200" indent="0">
-              <a:buNone/>
-              <a:defRPr sz="1600" b="1"/>
+            <a:lvl7pPr marL="2057400" indent="0">
+              <a:buNone/>
+              <a:defRPr sz="1200" b="1"/>
             </a:lvl7pPr>
-            <a:lvl8pPr marL="3200400" indent="0">
-              <a:buNone/>
-              <a:defRPr sz="1600" b="1"/>
+            <a:lvl8pPr marL="2400300" indent="0">
+              <a:buNone/>
+              <a:defRPr sz="1200" b="1"/>
             </a:lvl8pPr>
-            <a:lvl9pPr marL="3657600" indent="0">
-              <a:buNone/>
-              <a:defRPr sz="1600" b="1"/>
+            <a:lvl9pPr marL="2743200" indent="0">
+              <a:buNone/>
+              <a:defRPr sz="1200" b="1"/>
             </a:lvl9pPr>
           </a:lstStyle>
           <a:p>
             <a:pPr lvl="0"/>
             <a:r>
-              <a:rPr lang="en-US" smtClean="0"/>
+              <a:rPr lang="en-US"/>
               <a:t>Click to edit Master text styles</a:t>
             </a:r>
           </a:p>
@@ -1706,76 +1685,75 @@
         </p:nvSpPr>
         <p:spPr>
           <a:xfrm>
-            <a:off x="4645025" y="2174875"/>
-            <a:ext cx="4041775" cy="3951288"/>
+            <a:off x="4645026" y="1631156"/>
+            <a:ext cx="4041775" cy="2963466"/>
           </a:xfrm>
         </p:spPr>
         <p:txBody>
           <a:bodyPr/>
           <a:lstStyle>
             <a:lvl1pPr>
-              <a:defRPr sz="2400"/>
+              <a:defRPr sz="1800"/>
             </a:lvl1pPr>
             <a:lvl2pPr>
-              <a:defRPr sz="2000"/>
+              <a:defRPr sz="1500"/>
             </a:lvl2pPr>
             <a:lvl3pPr>
-              <a:defRPr sz="1800"/>
+              <a:defRPr sz="1350"/>
             </a:lvl3pPr>
             <a:lvl4pPr>
-              <a:defRPr sz="1600"/>
+              <a:defRPr sz="1200"/>
             </a:lvl4pPr>
             <a:lvl5pPr>
-              <a:defRPr sz="1600"/>
+              <a:defRPr sz="1200"/>
             </a:lvl5pPr>
             <a:lvl6pPr>
-              <a:defRPr sz="1600"/>
+              <a:defRPr sz="1200"/>
             </a:lvl6pPr>
             <a:lvl7pPr>
-              <a:defRPr sz="1600"/>
+              <a:defRPr sz="1200"/>
             </a:lvl7pPr>
             <a:lvl8pPr>
-              <a:defRPr sz="1600"/>
+              <a:defRPr sz="1200"/>
             </a:lvl8pPr>
             <a:lvl9pPr>
-              <a:defRPr sz="1600"/>
+              <a:defRPr sz="1200"/>
             </a:lvl9pPr>
           </a:lstStyle>
           <a:p>
             <a:pPr lvl="0"/>
             <a:r>
-              <a:rPr lang="en-US" smtClean="0"/>
+              <a:rPr lang="en-US"/>
               <a:t>Click to edit Master text styles</a:t>
             </a:r>
           </a:p>
           <a:p>
             <a:pPr lvl="1"/>
             <a:r>
-              <a:rPr lang="en-US" smtClean="0"/>
+              <a:rPr lang="en-US"/>
               <a:t>Second level</a:t>
             </a:r>
           </a:p>
           <a:p>
             <a:pPr lvl="2"/>
             <a:r>
-              <a:rPr lang="en-US" smtClean="0"/>
+              <a:rPr lang="en-US"/>
               <a:t>Third level</a:t>
             </a:r>
           </a:p>
           <a:p>
             <a:pPr lvl="3"/>
             <a:r>
-              <a:rPr lang="en-US" smtClean="0"/>
+              <a:rPr lang="en-US"/>
               <a:t>Fourth level</a:t>
             </a:r>
           </a:p>
           <a:p>
             <a:pPr lvl="4"/>
             <a:r>
-              <a:rPr lang="en-US" smtClean="0"/>
+              <a:rPr lang="en-US"/>
               <a:t>Fifth level</a:t>
             </a:r>
-            <a:endParaRPr lang="en-US"/>
           </a:p>
         </p:txBody>
       </p:sp>
@@ -1796,7 +1774,7 @@
           <a:p>
             <a:fld id="{241EB5C9-1307-BA42-ABA2-0BC069CD8E7F}" type="datetimeFigureOut">
               <a:rPr lang="en-US" smtClean="0"/>
-              <a:t>4/5/2019</a:t>
+              <a:t>1/2/22</a:t>
             </a:fld>
             <a:endParaRPr lang="en-US"/>
           </a:p>
@@ -1890,10 +1868,9 @@
           <a:lstStyle/>
           <a:p>
             <a:r>
-              <a:rPr lang="en-US" smtClean="0"/>
+              <a:rPr lang="en-US"/>
               <a:t>Click to edit Master title style</a:t>
             </a:r>
-            <a:endParaRPr lang="en-US"/>
           </a:p>
         </p:txBody>
       </p:sp>
@@ -1914,7 +1891,7 @@
           <a:p>
             <a:fld id="{241EB5C9-1307-BA42-ABA2-0BC069CD8E7F}" type="datetimeFigureOut">
               <a:rPr lang="en-US" smtClean="0"/>
-              <a:t>4/5/2019</a:t>
+              <a:t>1/2/22</a:t>
             </a:fld>
             <a:endParaRPr lang="en-US"/>
           </a:p>
@@ -2009,7 +1986,7 @@
           <a:p>
             <a:fld id="{241EB5C9-1307-BA42-ABA2-0BC069CD8E7F}" type="datetimeFigureOut">
               <a:rPr lang="en-US" smtClean="0"/>
-              <a:t>4/5/2019</a:t>
+              <a:t>1/2/22</a:t>
             </a:fld>
             <a:endParaRPr lang="en-US"/>
           </a:p>
@@ -2099,23 +2076,22 @@
         </p:nvSpPr>
         <p:spPr>
           <a:xfrm>
-            <a:off x="457200" y="273050"/>
-            <a:ext cx="3008313" cy="1162050"/>
+            <a:off x="457201" y="204787"/>
+            <a:ext cx="3008313" cy="871538"/>
           </a:xfrm>
         </p:spPr>
         <p:txBody>
           <a:bodyPr anchor="b"/>
           <a:lstStyle>
             <a:lvl1pPr algn="l">
-              <a:defRPr sz="2000" b="1"/>
+              <a:defRPr sz="1500" b="1"/>
             </a:lvl1pPr>
           </a:lstStyle>
           <a:p>
             <a:r>
-              <a:rPr lang="en-US" smtClean="0"/>
+              <a:rPr lang="en-US"/>
               <a:t>Click to edit Master title style</a:t>
             </a:r>
-            <a:endParaRPr lang="en-US"/>
           </a:p>
         </p:txBody>
       </p:sp>
@@ -2131,76 +2107,75 @@
         </p:nvSpPr>
         <p:spPr>
           <a:xfrm>
-            <a:off x="3575050" y="273050"/>
-            <a:ext cx="5111750" cy="5853113"/>
+            <a:off x="3575050" y="204788"/>
+            <a:ext cx="5111750" cy="4389835"/>
           </a:xfrm>
         </p:spPr>
         <p:txBody>
           <a:bodyPr/>
           <a:lstStyle>
             <a:lvl1pPr>
-              <a:defRPr sz="3200"/>
+              <a:defRPr sz="2400"/>
             </a:lvl1pPr>
             <a:lvl2pPr>
-              <a:defRPr sz="2800"/>
+              <a:defRPr sz="2100"/>
             </a:lvl2pPr>
             <a:lvl3pPr>
-              <a:defRPr sz="2400"/>
+              <a:defRPr sz="1800"/>
             </a:lvl3pPr>
             <a:lvl4pPr>
-              <a:defRPr sz="2000"/>
+              <a:defRPr sz="1500"/>
             </a:lvl4pPr>
             <a:lvl5pPr>
-              <a:defRPr sz="2000"/>
+              <a:defRPr sz="1500"/>
             </a:lvl5pPr>
             <a:lvl6pPr>
-              <a:defRPr sz="2000"/>
+              <a:defRPr sz="1500"/>
             </a:lvl6pPr>
             <a:lvl7pPr>
-              <a:defRPr sz="2000"/>
+              <a:defRPr sz="1500"/>
             </a:lvl7pPr>
             <a:lvl8pPr>
-              <a:defRPr sz="2000"/>
+              <a:defRPr sz="1500"/>
             </a:lvl8pPr>
             <a:lvl9pPr>
-              <a:defRPr sz="2000"/>
+              <a:defRPr sz="1500"/>
             </a:lvl9pPr>
           </a:lstStyle>
           <a:p>
             <a:pPr lvl="0"/>
             <a:r>
-              <a:rPr lang="en-US" smtClean="0"/>
+              <a:rPr lang="en-US"/>
               <a:t>Click to edit Master text styles</a:t>
             </a:r>
           </a:p>
           <a:p>
             <a:pPr lvl="1"/>
             <a:r>
-              <a:rPr lang="en-US" smtClean="0"/>
+              <a:rPr lang="en-US"/>
               <a:t>Second level</a:t>
             </a:r>
           </a:p>
           <a:p>
             <a:pPr lvl="2"/>
             <a:r>
-              <a:rPr lang="en-US" smtClean="0"/>
+              <a:rPr lang="en-US"/>
               <a:t>Third level</a:t>
             </a:r>
           </a:p>
           <a:p>
             <a:pPr lvl="3"/>
             <a:r>
-              <a:rPr lang="en-US" smtClean="0"/>
+              <a:rPr lang="en-US"/>
               <a:t>Fourth level</a:t>
             </a:r>
           </a:p>
           <a:p>
             <a:pPr lvl="4"/>
             <a:r>
-              <a:rPr lang="en-US" smtClean="0"/>
+              <a:rPr lang="en-US"/>
               <a:t>Fifth level</a:t>
             </a:r>
-            <a:endParaRPr lang="en-US"/>
           </a:p>
         </p:txBody>
       </p:sp>
@@ -2216,8 +2191,8 @@
         </p:nvSpPr>
         <p:spPr>
           <a:xfrm>
-            <a:off x="457200" y="1435100"/>
-            <a:ext cx="3008313" cy="4691063"/>
+            <a:off x="457201" y="1076326"/>
+            <a:ext cx="3008313" cy="3518297"/>
           </a:xfrm>
         </p:spPr>
         <p:txBody>
@@ -2225,45 +2200,45 @@
           <a:lstStyle>
             <a:lvl1pPr marL="0" indent="0">
               <a:buNone/>
-              <a:defRPr sz="1400"/>
+              <a:defRPr sz="1050"/>
             </a:lvl1pPr>
-            <a:lvl2pPr marL="457200" indent="0">
-              <a:buNone/>
-              <a:defRPr sz="1200"/>
+            <a:lvl2pPr marL="342900" indent="0">
+              <a:buNone/>
+              <a:defRPr sz="900"/>
             </a:lvl2pPr>
-            <a:lvl3pPr marL="914400" indent="0">
-              <a:buNone/>
-              <a:defRPr sz="1000"/>
+            <a:lvl3pPr marL="685800" indent="0">
+              <a:buNone/>
+              <a:defRPr sz="750"/>
             </a:lvl3pPr>
-            <a:lvl4pPr marL="1371600" indent="0">
-              <a:buNone/>
-              <a:defRPr sz="900"/>
+            <a:lvl4pPr marL="1028700" indent="0">
+              <a:buNone/>
+              <a:defRPr sz="675"/>
             </a:lvl4pPr>
-            <a:lvl5pPr marL="1828800" indent="0">
-              <a:buNone/>
-              <a:defRPr sz="900"/>
+            <a:lvl5pPr marL="1371600" indent="0">
+              <a:buNone/>
+              <a:defRPr sz="675"/>
             </a:lvl5pPr>
-            <a:lvl6pPr marL="2286000" indent="0">
-              <a:buNone/>
-              <a:defRPr sz="900"/>
+            <a:lvl6pPr marL="1714500" indent="0">
+              <a:buNone/>
+              <a:defRPr sz="675"/>
             </a:lvl6pPr>
-            <a:lvl7pPr marL="2743200" indent="0">
-              <a:buNone/>
-              <a:defRPr sz="900"/>
+            <a:lvl7pPr marL="2057400" indent="0">
+              <a:buNone/>
+              <a:defRPr sz="675"/>
             </a:lvl7pPr>
-            <a:lvl8pPr marL="3200400" indent="0">
-              <a:buNone/>
-              <a:defRPr sz="900"/>
+            <a:lvl8pPr marL="2400300" indent="0">
+              <a:buNone/>
+              <a:defRPr sz="675"/>
             </a:lvl8pPr>
-            <a:lvl9pPr marL="3657600" indent="0">
-              <a:buNone/>
-              <a:defRPr sz="900"/>
+            <a:lvl9pPr marL="2743200" indent="0">
+              <a:buNone/>
+              <a:defRPr sz="675"/>
             </a:lvl9pPr>
           </a:lstStyle>
           <a:p>
             <a:pPr lvl="0"/>
             <a:r>
-              <a:rPr lang="en-US" smtClean="0"/>
+              <a:rPr lang="en-US"/>
               <a:t>Click to edit Master text styles</a:t>
             </a:r>
           </a:p>
@@ -2286,7 +2261,7 @@
           <a:p>
             <a:fld id="{241EB5C9-1307-BA42-ABA2-0BC069CD8E7F}" type="datetimeFigureOut">
               <a:rPr lang="en-US" smtClean="0"/>
-              <a:t>4/5/2019</a:t>
+              <a:t>1/2/22</a:t>
             </a:fld>
             <a:endParaRPr lang="en-US"/>
           </a:p>
@@ -2376,23 +2351,22 @@
         </p:nvSpPr>
         <p:spPr>
           <a:xfrm>
-            <a:off x="1792288" y="4800600"/>
-            <a:ext cx="5486400" cy="566738"/>
+            <a:off x="1792288" y="3600450"/>
+            <a:ext cx="5486400" cy="425054"/>
           </a:xfrm>
         </p:spPr>
         <p:txBody>
           <a:bodyPr anchor="b"/>
           <a:lstStyle>
             <a:lvl1pPr algn="l">
-              <a:defRPr sz="2000" b="1"/>
+              <a:defRPr sz="1500" b="1"/>
             </a:lvl1pPr>
           </a:lstStyle>
           <a:p>
             <a:r>
-              <a:rPr lang="en-US" smtClean="0"/>
+              <a:rPr lang="en-US"/>
               <a:t>Click to edit Master title style</a:t>
             </a:r>
-            <a:endParaRPr lang="en-US"/>
           </a:p>
         </p:txBody>
       </p:sp>
@@ -2408,8 +2382,8 @@
         </p:nvSpPr>
         <p:spPr>
           <a:xfrm>
-            <a:off x="1792288" y="612775"/>
-            <a:ext cx="5486400" cy="4114800"/>
+            <a:off x="1792288" y="459581"/>
+            <a:ext cx="5486400" cy="3086100"/>
           </a:xfrm>
         </p:spPr>
         <p:txBody>
@@ -2417,39 +2391,39 @@
           <a:lstStyle>
             <a:lvl1pPr marL="0" indent="0">
               <a:buNone/>
-              <a:defRPr sz="3200"/>
+              <a:defRPr sz="2400"/>
             </a:lvl1pPr>
-            <a:lvl2pPr marL="457200" indent="0">
-              <a:buNone/>
-              <a:defRPr sz="2800"/>
+            <a:lvl2pPr marL="342900" indent="0">
+              <a:buNone/>
+              <a:defRPr sz="2100"/>
             </a:lvl2pPr>
-            <a:lvl3pPr marL="914400" indent="0">
-              <a:buNone/>
-              <a:defRPr sz="2400"/>
+            <a:lvl3pPr marL="685800" indent="0">
+              <a:buNone/>
+              <a:defRPr sz="1800"/>
             </a:lvl3pPr>
-            <a:lvl4pPr marL="1371600" indent="0">
-              <a:buNone/>
-              <a:defRPr sz="2000"/>
+            <a:lvl4pPr marL="1028700" indent="0">
+              <a:buNone/>
+              <a:defRPr sz="1500"/>
             </a:lvl4pPr>
-            <a:lvl5pPr marL="1828800" indent="0">
-              <a:buNone/>
-              <a:defRPr sz="2000"/>
+            <a:lvl5pPr marL="1371600" indent="0">
+              <a:buNone/>
+              <a:defRPr sz="1500"/>
             </a:lvl5pPr>
-            <a:lvl6pPr marL="2286000" indent="0">
-              <a:buNone/>
-              <a:defRPr sz="2000"/>
+            <a:lvl6pPr marL="1714500" indent="0">
+              <a:buNone/>
+              <a:defRPr sz="1500"/>
             </a:lvl6pPr>
-            <a:lvl7pPr marL="2743200" indent="0">
-              <a:buNone/>
-              <a:defRPr sz="2000"/>
+            <a:lvl7pPr marL="2057400" indent="0">
+              <a:buNone/>
+              <a:defRPr sz="1500"/>
             </a:lvl7pPr>
-            <a:lvl8pPr marL="3200400" indent="0">
-              <a:buNone/>
-              <a:defRPr sz="2000"/>
+            <a:lvl8pPr marL="2400300" indent="0">
+              <a:buNone/>
+              <a:defRPr sz="1500"/>
             </a:lvl8pPr>
-            <a:lvl9pPr marL="3657600" indent="0">
-              <a:buNone/>
-              <a:defRPr sz="2000"/>
+            <a:lvl9pPr marL="2743200" indent="0">
+              <a:buNone/>
+              <a:defRPr sz="1500"/>
             </a:lvl9pPr>
           </a:lstStyle>
           <a:p>
@@ -2469,8 +2443,8 @@
         </p:nvSpPr>
         <p:spPr>
           <a:xfrm>
-            <a:off x="1792288" y="5367338"/>
-            <a:ext cx="5486400" cy="804862"/>
+            <a:off x="1792288" y="4025503"/>
+            <a:ext cx="5486400" cy="603647"/>
           </a:xfrm>
         </p:spPr>
         <p:txBody>
@@ -2478,45 +2452,45 @@
           <a:lstStyle>
             <a:lvl1pPr marL="0" indent="0">
               <a:buNone/>
-              <a:defRPr sz="1400"/>
+              <a:defRPr sz="1050"/>
             </a:lvl1pPr>
-            <a:lvl2pPr marL="457200" indent="0">
-              <a:buNone/>
-              <a:defRPr sz="1200"/>
+            <a:lvl2pPr marL="342900" indent="0">
+              <a:buNone/>
+              <a:defRPr sz="900"/>
             </a:lvl2pPr>
-            <a:lvl3pPr marL="914400" indent="0">
-              <a:buNone/>
-              <a:defRPr sz="1000"/>
+            <a:lvl3pPr marL="685800" indent="0">
+              <a:buNone/>
+              <a:defRPr sz="750"/>
             </a:lvl3pPr>
-            <a:lvl4pPr marL="1371600" indent="0">
-              <a:buNone/>
-              <a:defRPr sz="900"/>
+            <a:lvl4pPr marL="1028700" indent="0">
+              <a:buNone/>
+              <a:defRPr sz="675"/>
             </a:lvl4pPr>
-            <a:lvl5pPr marL="1828800" indent="0">
-              <a:buNone/>
-              <a:defRPr sz="900"/>
+            <a:lvl5pPr marL="1371600" indent="0">
+              <a:buNone/>
+              <a:defRPr sz="675"/>
             </a:lvl5pPr>
-            <a:lvl6pPr marL="2286000" indent="0">
-              <a:buNone/>
-              <a:defRPr sz="900"/>
+            <a:lvl6pPr marL="1714500" indent="0">
+              <a:buNone/>
+              <a:defRPr sz="675"/>
             </a:lvl6pPr>
-            <a:lvl7pPr marL="2743200" indent="0">
-              <a:buNone/>
-              <a:defRPr sz="900"/>
+            <a:lvl7pPr marL="2057400" indent="0">
+              <a:buNone/>
+              <a:defRPr sz="675"/>
             </a:lvl7pPr>
-            <a:lvl8pPr marL="3200400" indent="0">
-              <a:buNone/>
-              <a:defRPr sz="900"/>
+            <a:lvl8pPr marL="2400300" indent="0">
+              <a:buNone/>
+              <a:defRPr sz="675"/>
             </a:lvl8pPr>
-            <a:lvl9pPr marL="3657600" indent="0">
-              <a:buNone/>
-              <a:defRPr sz="900"/>
+            <a:lvl9pPr marL="2743200" indent="0">
+              <a:buNone/>
+              <a:defRPr sz="675"/>
             </a:lvl9pPr>
           </a:lstStyle>
           <a:p>
             <a:pPr lvl="0"/>
             <a:r>
-              <a:rPr lang="en-US" smtClean="0"/>
+              <a:rPr lang="en-US"/>
               <a:t>Click to edit Master text styles</a:t>
             </a:r>
           </a:p>
@@ -2539,7 +2513,7 @@
           <a:p>
             <a:fld id="{241EB5C9-1307-BA42-ABA2-0BC069CD8E7F}" type="datetimeFigureOut">
               <a:rPr lang="en-US" smtClean="0"/>
-              <a:t>4/5/2019</a:t>
+              <a:t>1/2/22</a:t>
             </a:fld>
             <a:endParaRPr lang="en-US"/>
           </a:p>
@@ -2634,8 +2608,8 @@
         </p:nvSpPr>
         <p:spPr>
           <a:xfrm>
-            <a:off x="457200" y="274638"/>
-            <a:ext cx="8229600" cy="1143000"/>
+            <a:off x="457200" y="205979"/>
+            <a:ext cx="8229600" cy="857250"/>
           </a:xfrm>
           <a:prstGeom prst="rect">
             <a:avLst/>
@@ -2648,10 +2622,9 @@
           <a:lstStyle/>
           <a:p>
             <a:r>
-              <a:rPr lang="en-US" smtClean="0"/>
+              <a:rPr lang="en-US"/>
               <a:t>Click to edit Master title style</a:t>
             </a:r>
-            <a:endParaRPr lang="en-US"/>
           </a:p>
         </p:txBody>
       </p:sp>
@@ -2667,8 +2640,8 @@
         </p:nvSpPr>
         <p:spPr>
           <a:xfrm>
-            <a:off x="457200" y="1600200"/>
-            <a:ext cx="8229600" cy="4525963"/>
+            <a:off x="457200" y="1200151"/>
+            <a:ext cx="8229600" cy="3394472"/>
           </a:xfrm>
           <a:prstGeom prst="rect">
             <a:avLst/>
@@ -2682,38 +2655,37 @@
           <a:p>
             <a:pPr lvl="0"/>
             <a:r>
-              <a:rPr lang="en-US" smtClean="0"/>
+              <a:rPr lang="en-US"/>
               <a:t>Click to edit Master text styles</a:t>
             </a:r>
           </a:p>
           <a:p>
             <a:pPr lvl="1"/>
             <a:r>
-              <a:rPr lang="en-US" smtClean="0"/>
+              <a:rPr lang="en-US"/>
               <a:t>Second level</a:t>
             </a:r>
           </a:p>
           <a:p>
             <a:pPr lvl="2"/>
             <a:r>
-              <a:rPr lang="en-US" smtClean="0"/>
+              <a:rPr lang="en-US"/>
               <a:t>Third level</a:t>
             </a:r>
           </a:p>
           <a:p>
             <a:pPr lvl="3"/>
             <a:r>
-              <a:rPr lang="en-US" smtClean="0"/>
+              <a:rPr lang="en-US"/>
               <a:t>Fourth level</a:t>
             </a:r>
           </a:p>
           <a:p>
             <a:pPr lvl="4"/>
             <a:r>
-              <a:rPr lang="en-US" smtClean="0"/>
+              <a:rPr lang="en-US"/>
               <a:t>Fifth level</a:t>
             </a:r>
-            <a:endParaRPr lang="en-US"/>
           </a:p>
         </p:txBody>
       </p:sp>
@@ -2729,8 +2701,8 @@
         </p:nvSpPr>
         <p:spPr>
           <a:xfrm>
-            <a:off x="457200" y="6356350"/>
-            <a:ext cx="2133600" cy="365125"/>
+            <a:off x="457200" y="4767263"/>
+            <a:ext cx="2133600" cy="273844"/>
           </a:xfrm>
           <a:prstGeom prst="rect">
             <a:avLst/>
@@ -2740,7 +2712,7 @@
           <a:bodyPr anchor="ctr" bIns="45720" lIns="91440" rIns="91440" rtlCol="0" tIns="45720" vert="horz"/>
           <a:lstStyle>
             <a:lvl1pPr algn="l">
-              <a:defRPr sz="1200">
+              <a:defRPr sz="900">
                 <a:solidFill>
                   <a:schemeClr val="tx1">
                     <a:tint val="75000"/>
@@ -2752,7 +2724,7 @@
           <a:p>
             <a:fld id="{241EB5C9-1307-BA42-ABA2-0BC069CD8E7F}" type="datetimeFigureOut">
               <a:rPr lang="en-US" smtClean="0"/>
-              <a:t>4/5/2019</a:t>
+              <a:t>1/2/22</a:t>
             </a:fld>
             <a:endParaRPr lang="en-US"/>
           </a:p>
@@ -2770,8 +2742,8 @@
         </p:nvSpPr>
         <p:spPr>
           <a:xfrm>
-            <a:off x="3124200" y="6356350"/>
-            <a:ext cx="2895600" cy="365125"/>
+            <a:off x="3124200" y="4767263"/>
+            <a:ext cx="2895600" cy="273844"/>
           </a:xfrm>
           <a:prstGeom prst="rect">
             <a:avLst/>
@@ -2781,7 +2753,7 @@
           <a:bodyPr anchor="ctr" bIns="45720" lIns="91440" rIns="91440" rtlCol="0" tIns="45720" vert="horz"/>
           <a:lstStyle>
             <a:lvl1pPr algn="ctr">
-              <a:defRPr sz="1200">
+              <a:defRPr sz="900">
                 <a:solidFill>
                   <a:schemeClr val="tx1">
                     <a:tint val="75000"/>
@@ -2807,8 +2779,8 @@
         </p:nvSpPr>
         <p:spPr>
           <a:xfrm>
-            <a:off x="6553200" y="6356350"/>
-            <a:ext cx="2133600" cy="365125"/>
+            <a:off x="6553200" y="4767263"/>
+            <a:ext cx="2133600" cy="273844"/>
           </a:xfrm>
           <a:prstGeom prst="rect">
             <a:avLst/>
@@ -2818,7 +2790,7 @@
           <a:bodyPr anchor="ctr" bIns="45720" lIns="91440" rIns="91440" rtlCol="0" tIns="45720" vert="horz"/>
           <a:lstStyle>
             <a:lvl1pPr algn="r">
-              <a:defRPr sz="1200">
+              <a:defRPr sz="900">
                 <a:solidFill>
                   <a:schemeClr val="tx1">
                     <a:tint val="75000"/>
@@ -2859,12 +2831,12 @@
   </p:sldLayoutIdLst>
   <p:txStyles>
     <p:titleStyle>
-      <a:lvl1pPr algn="ctr" defTabSz="457200" eaLnBrk="1" hangingPunct="1" latinLnBrk="0" rtl="0">
+      <a:lvl1pPr algn="ctr" defTabSz="342900" eaLnBrk="1" hangingPunct="1" latinLnBrk="0" rtl="0">
         <a:spcBef>
           <a:spcPct val="0"/>
         </a:spcBef>
         <a:buNone/>
-        <a:defRPr kern="1200" sz="4400">
+        <a:defRPr kern="1200" sz="3300">
           <a:solidFill>
             <a:schemeClr val="tx1"/>
           </a:solidFill>
@@ -2875,37 +2847,7 @@
       </a:lvl1pPr>
     </p:titleStyle>
     <p:bodyStyle>
-      <a:lvl1pPr algn="l" defTabSz="457200" eaLnBrk="1" hangingPunct="1" indent="-457200" latinLnBrk="0" marL="457200" rtl="0">
-        <a:spcBef>
-          <a:spcPct val="20000"/>
-        </a:spcBef>
-        <a:buFont typeface="Arial"/>
-        <a:buChar char="•"/>
-        <a:defRPr kern="1200" sz="3200">
-          <a:solidFill>
-            <a:schemeClr val="tx1"/>
-          </a:solidFill>
-          <a:latin typeface="+mn-lt"/>
-          <a:ea typeface="+mn-ea"/>
-          <a:cs typeface="+mn-cs"/>
-        </a:defRPr>
-      </a:lvl1pPr>
-      <a:lvl2pPr algn="l" defTabSz="457200" eaLnBrk="1" hangingPunct="1" indent="-457200" latinLnBrk="0" marL="914400" rtl="0">
-        <a:spcBef>
-          <a:spcPct val="20000"/>
-        </a:spcBef>
-        <a:buFont typeface="Arial"/>
-        <a:buChar char="–"/>
-        <a:defRPr kern="1200" sz="2800">
-          <a:solidFill>
-            <a:schemeClr val="tx1"/>
-          </a:solidFill>
-          <a:latin typeface="+mn-lt"/>
-          <a:ea typeface="+mn-ea"/>
-          <a:cs typeface="+mn-cs"/>
-        </a:defRPr>
-      </a:lvl2pPr>
-      <a:lvl3pPr algn="l" defTabSz="457200" eaLnBrk="1" hangingPunct="1" indent="-457200" latinLnBrk="0" marL="1371600" rtl="0">
+      <a:lvl1pPr algn="l" defTabSz="342900" eaLnBrk="1" hangingPunct="1" indent="-342900" latinLnBrk="0" marL="342900" rtl="0">
         <a:spcBef>
           <a:spcPct val="20000"/>
         </a:spcBef>
@@ -2919,14 +2861,44 @@
           <a:ea typeface="+mn-ea"/>
           <a:cs typeface="+mn-cs"/>
         </a:defRPr>
-      </a:lvl3pPr>
-      <a:lvl4pPr algn="l" defTabSz="457200" eaLnBrk="1" hangingPunct="1" indent="-457200" latinLnBrk="0" marL="1828800" rtl="0">
+      </a:lvl1pPr>
+      <a:lvl2pPr algn="l" defTabSz="342900" eaLnBrk="1" hangingPunct="1" indent="-342900" latinLnBrk="0" marL="685800" rtl="0">
         <a:spcBef>
           <a:spcPct val="20000"/>
         </a:spcBef>
         <a:buFont typeface="Arial"/>
         <a:buChar char="–"/>
-        <a:defRPr kern="1200" sz="2000">
+        <a:defRPr kern="1200" sz="2100">
+          <a:solidFill>
+            <a:schemeClr val="tx1"/>
+          </a:solidFill>
+          <a:latin typeface="+mn-lt"/>
+          <a:ea typeface="+mn-ea"/>
+          <a:cs typeface="+mn-cs"/>
+        </a:defRPr>
+      </a:lvl2pPr>
+      <a:lvl3pPr algn="l" defTabSz="342900" eaLnBrk="1" hangingPunct="1" indent="-342900" latinLnBrk="0" marL="1028700" rtl="0">
+        <a:spcBef>
+          <a:spcPct val="20000"/>
+        </a:spcBef>
+        <a:buFont typeface="Arial"/>
+        <a:buChar char="•"/>
+        <a:defRPr kern="1200" sz="1800">
+          <a:solidFill>
+            <a:schemeClr val="tx1"/>
+          </a:solidFill>
+          <a:latin typeface="+mn-lt"/>
+          <a:ea typeface="+mn-ea"/>
+          <a:cs typeface="+mn-cs"/>
+        </a:defRPr>
+      </a:lvl3pPr>
+      <a:lvl4pPr algn="l" defTabSz="342900" eaLnBrk="1" hangingPunct="1" indent="-342900" latinLnBrk="0" marL="1371600" rtl="0">
+        <a:spcBef>
+          <a:spcPct val="20000"/>
+        </a:spcBef>
+        <a:buFont typeface="Arial"/>
+        <a:buChar char="–"/>
+        <a:defRPr kern="1200" sz="1500">
           <a:solidFill>
             <a:schemeClr val="tx1"/>
           </a:solidFill>
@@ -2935,13 +2907,13 @@
           <a:cs typeface="+mn-cs"/>
         </a:defRPr>
       </a:lvl4pPr>
-      <a:lvl5pPr algn="l" defTabSz="457200" eaLnBrk="1" hangingPunct="1" indent="-457200" latinLnBrk="0" marL="2286000" rtl="0">
+      <a:lvl5pPr algn="l" defTabSz="342900" eaLnBrk="1" hangingPunct="1" indent="-342900" latinLnBrk="0" marL="1714500" rtl="0">
         <a:spcBef>
           <a:spcPct val="20000"/>
         </a:spcBef>
         <a:buFont typeface="Arial"/>
         <a:buChar char="»"/>
-        <a:defRPr kern="1200" sz="2000">
+        <a:defRPr kern="1200" sz="1500">
           <a:solidFill>
             <a:schemeClr val="tx1"/>
           </a:solidFill>
@@ -2950,13 +2922,13 @@
           <a:cs typeface="+mn-cs"/>
         </a:defRPr>
       </a:lvl5pPr>
-      <a:lvl6pPr algn="l" defTabSz="457200" eaLnBrk="1" hangingPunct="1" indent="-457200" latinLnBrk="0" marL="2743200" rtl="0">
+      <a:lvl6pPr algn="l" defTabSz="342900" eaLnBrk="1" hangingPunct="1" indent="-342900" latinLnBrk="0" marL="2057400" rtl="0">
         <a:spcBef>
           <a:spcPct val="20000"/>
         </a:spcBef>
         <a:buFont typeface="Arial"/>
         <a:buChar char="•"/>
-        <a:defRPr kern="1200" sz="2000">
+        <a:defRPr kern="1200" sz="1500">
           <a:solidFill>
             <a:schemeClr val="tx1"/>
           </a:solidFill>
@@ -2965,13 +2937,13 @@
           <a:cs typeface="+mn-cs"/>
         </a:defRPr>
       </a:lvl6pPr>
-      <a:lvl7pPr algn="l" defTabSz="457200" eaLnBrk="1" hangingPunct="1" indent="-457200" latinLnBrk="0" marL="3200400" rtl="0">
+      <a:lvl7pPr algn="l" defTabSz="342900" eaLnBrk="1" hangingPunct="1" indent="-342900" latinLnBrk="0" marL="2400300" rtl="0">
         <a:spcBef>
           <a:spcPct val="20000"/>
         </a:spcBef>
         <a:buFont typeface="Arial"/>
         <a:buChar char="•"/>
-        <a:defRPr kern="1200" sz="2000">
+        <a:defRPr kern="1200" sz="1500">
           <a:solidFill>
             <a:schemeClr val="tx1"/>
           </a:solidFill>
@@ -2980,13 +2952,13 @@
           <a:cs typeface="+mn-cs"/>
         </a:defRPr>
       </a:lvl7pPr>
-      <a:lvl8pPr algn="l" defTabSz="457200" eaLnBrk="1" hangingPunct="1" indent="-457200" latinLnBrk="0" marL="3657600" rtl="0">
+      <a:lvl8pPr algn="l" defTabSz="342900" eaLnBrk="1" hangingPunct="1" indent="-342900" latinLnBrk="0" marL="2743200" rtl="0">
         <a:spcBef>
           <a:spcPct val="20000"/>
         </a:spcBef>
         <a:buFont typeface="Arial"/>
         <a:buChar char="•"/>
-        <a:defRPr kern="1200" sz="2000">
+        <a:defRPr kern="1200" sz="1500">
           <a:solidFill>
             <a:schemeClr val="tx1"/>
           </a:solidFill>
@@ -2995,13 +2967,13 @@
           <a:cs typeface="+mn-cs"/>
         </a:defRPr>
       </a:lvl8pPr>
-      <a:lvl9pPr algn="l" defTabSz="457200" eaLnBrk="1" hangingPunct="1" indent="-457200" latinLnBrk="0" marL="4114800" rtl="0">
+      <a:lvl9pPr algn="l" defTabSz="342900" eaLnBrk="1" hangingPunct="1" indent="-342900" latinLnBrk="0" marL="3086100" rtl="0">
         <a:spcBef>
           <a:spcPct val="20000"/>
         </a:spcBef>
         <a:buFont typeface="Arial"/>
         <a:buChar char="•"/>
-        <a:defRPr kern="1200" sz="2000">
+        <a:defRPr kern="1200" sz="1500">
           <a:solidFill>
             <a:schemeClr val="tx1"/>
           </a:solidFill>
@@ -3015,8 +2987,8 @@
       <a:defPPr>
         <a:defRPr lang="en-US"/>
       </a:defPPr>
-      <a:lvl1pPr algn="l" defTabSz="457200" eaLnBrk="1" hangingPunct="1" latinLnBrk="0" marL="0" rtl="0">
-        <a:defRPr kern="1200" sz="1800">
+      <a:lvl1pPr algn="l" defTabSz="342900" eaLnBrk="1" hangingPunct="1" latinLnBrk="0" marL="0" rtl="0">
+        <a:defRPr kern="1200" sz="1350">
           <a:solidFill>
             <a:schemeClr val="tx1"/>
           </a:solidFill>
@@ -3025,8 +2997,8 @@
           <a:cs typeface="+mn-cs"/>
         </a:defRPr>
       </a:lvl1pPr>
-      <a:lvl2pPr algn="l" defTabSz="457200" eaLnBrk="1" hangingPunct="1" latinLnBrk="0" marL="457200" rtl="0">
-        <a:defRPr kern="1200" sz="1800">
+      <a:lvl2pPr algn="l" defTabSz="342900" eaLnBrk="1" hangingPunct="1" latinLnBrk="0" marL="342900" rtl="0">
+        <a:defRPr kern="1200" sz="1350">
           <a:solidFill>
             <a:schemeClr val="tx1"/>
           </a:solidFill>
@@ -3035,8 +3007,8 @@
           <a:cs typeface="+mn-cs"/>
         </a:defRPr>
       </a:lvl2pPr>
-      <a:lvl3pPr algn="l" defTabSz="457200" eaLnBrk="1" hangingPunct="1" latinLnBrk="0" marL="914400" rtl="0">
-        <a:defRPr kern="1200" sz="1800">
+      <a:lvl3pPr algn="l" defTabSz="342900" eaLnBrk="1" hangingPunct="1" latinLnBrk="0" marL="685800" rtl="0">
+        <a:defRPr kern="1200" sz="1350">
           <a:solidFill>
             <a:schemeClr val="tx1"/>
           </a:solidFill>
@@ -3045,8 +3017,8 @@
           <a:cs typeface="+mn-cs"/>
         </a:defRPr>
       </a:lvl3pPr>
-      <a:lvl4pPr algn="l" defTabSz="457200" eaLnBrk="1" hangingPunct="1" latinLnBrk="0" marL="1371600" rtl="0">
-        <a:defRPr kern="1200" sz="1800">
+      <a:lvl4pPr algn="l" defTabSz="342900" eaLnBrk="1" hangingPunct="1" latinLnBrk="0" marL="1028700" rtl="0">
+        <a:defRPr kern="1200" sz="1350">
           <a:solidFill>
             <a:schemeClr val="tx1"/>
           </a:solidFill>
@@ -3055,8 +3027,8 @@
           <a:cs typeface="+mn-cs"/>
         </a:defRPr>
       </a:lvl4pPr>
-      <a:lvl5pPr algn="l" defTabSz="457200" eaLnBrk="1" hangingPunct="1" latinLnBrk="0" marL="1828800" rtl="0">
-        <a:defRPr kern="1200" sz="1800">
+      <a:lvl5pPr algn="l" defTabSz="342900" eaLnBrk="1" hangingPunct="1" latinLnBrk="0" marL="1371600" rtl="0">
+        <a:defRPr kern="1200" sz="1350">
           <a:solidFill>
             <a:schemeClr val="tx1"/>
           </a:solidFill>
@@ -3065,8 +3037,8 @@
           <a:cs typeface="+mn-cs"/>
         </a:defRPr>
       </a:lvl5pPr>
-      <a:lvl6pPr algn="l" defTabSz="457200" eaLnBrk="1" hangingPunct="1" latinLnBrk="0" marL="2286000" rtl="0">
-        <a:defRPr kern="1200" sz="1800">
+      <a:lvl6pPr algn="l" defTabSz="342900" eaLnBrk="1" hangingPunct="1" latinLnBrk="0" marL="1714500" rtl="0">
+        <a:defRPr kern="1200" sz="1350">
           <a:solidFill>
             <a:schemeClr val="tx1"/>
           </a:solidFill>
@@ -3075,8 +3047,8 @@
           <a:cs typeface="+mn-cs"/>
         </a:defRPr>
       </a:lvl6pPr>
-      <a:lvl7pPr algn="l" defTabSz="457200" eaLnBrk="1" hangingPunct="1" latinLnBrk="0" marL="2743200" rtl="0">
-        <a:defRPr kern="1200" sz="1800">
+      <a:lvl7pPr algn="l" defTabSz="342900" eaLnBrk="1" hangingPunct="1" latinLnBrk="0" marL="2057400" rtl="0">
+        <a:defRPr kern="1200" sz="1350">
           <a:solidFill>
             <a:schemeClr val="tx1"/>
           </a:solidFill>
@@ -3085,8 +3057,8 @@
           <a:cs typeface="+mn-cs"/>
         </a:defRPr>
       </a:lvl7pPr>
-      <a:lvl8pPr algn="l" defTabSz="457200" eaLnBrk="1" hangingPunct="1" latinLnBrk="0" marL="3200400" rtl="0">
-        <a:defRPr kern="1200" sz="1800">
+      <a:lvl8pPr algn="l" defTabSz="342900" eaLnBrk="1" hangingPunct="1" latinLnBrk="0" marL="2400300" rtl="0">
+        <a:defRPr kern="1200" sz="1350">
           <a:solidFill>
             <a:schemeClr val="tx1"/>
           </a:solidFill>
@@ -3095,8 +3067,8 @@
           <a:cs typeface="+mn-cs"/>
         </a:defRPr>
       </a:lvl8pPr>
-      <a:lvl9pPr algn="l" defTabSz="457200" eaLnBrk="1" hangingPunct="1" latinLnBrk="0" marL="3657600" rtl="0">
-        <a:defRPr kern="1200" sz="1800">
+      <a:lvl9pPr algn="l" defTabSz="342900" eaLnBrk="1" hangingPunct="1" latinLnBrk="0" marL="2743200" rtl="0">
+        <a:defRPr kern="1200" sz="1350">
           <a:solidFill>
             <a:schemeClr val="tx1"/>
           </a:solidFill>
@@ -3139,8 +3111,8 @@
         </p:nvSpPr>
         <p:spPr>
           <a:xfrm>
-            <a:off x="685800" y="2130425"/>
-            <a:ext cx="7772400" cy="1470025"/>
+            <a:off x="685800" y="1597819"/>
+            <a:ext cx="7772400" cy="1102519"/>
           </a:xfrm>
         </p:spPr>
         <p:txBody>
@@ -3169,8 +3141,8 @@
         </p:nvSpPr>
         <p:spPr>
           <a:xfrm>
-            <a:off x="1371600" y="3886200"/>
-            <a:ext cx="6400800" cy="1752600"/>
+            <a:off x="1371600" y="2914650"/>
+            <a:ext cx="6400800" cy="1314450"/>
           </a:xfrm>
         </p:spPr>
         <p:txBody>
@@ -3224,6 +3196,251 @@
 </file>
 
 <file path=ppt/slides/slide10.xml><?xml version="1.0" encoding="utf-8"?>
+<p:sld xmlns:a="http://schemas.openxmlformats.org/drawingml/2006/main" xmlns:r="http://schemas.openxmlformats.org/officeDocument/2006/relationships" xmlns:p="http://schemas.openxmlformats.org/presentationml/2006/main">
+  <p:cSld>
+    <p:spTree>
+      <p:nvGrpSpPr>
+        <p:cNvPr id="1" name=""/>
+        <p:cNvGrpSpPr/>
+        <p:nvPr/>
+      </p:nvGrpSpPr>
+      <p:grpSpPr>
+        <a:xfrm>
+          <a:off x="0" y="0"/>
+          <a:ext cx="0" cy="0"/>
+          <a:chOff x="0" y="0"/>
+          <a:chExt cx="0" cy="0"/>
+        </a:xfrm>
+      </p:grpSpPr>
+      <mc:AlternateContent xmlns:mc="http://schemas.openxmlformats.org/markup-compatibility/2006">
+        <mc:Choice xmlns:a14="http://schemas.microsoft.com/office/drawing/2010/main" Requires="a14">
+          <p:sp>
+            <p:nvSpPr>
+              <p:cNvPr id="3" name="Content Placeholder 2"/>
+              <p:cNvSpPr>
+                <a:spLocks noGrp="1"/>
+              </p:cNvSpPr>
+              <p:nvPr>
+                <p:ph idx="1"/>
+              </p:nvPr>
+            </p:nvSpPr>
+            <p:spPr/>
+            <p:txBody>
+              <a:bodyPr/>
+              <a:lstStyle/>
+              <a:p>
+                <a:pPr lvl="0" indent="0" marL="0">
+                  <a:buNone/>
+                </a:pPr>
+                <a14:m>
+                  <m:oMath xmlns:m="http://schemas.openxmlformats.org/officeDocument/2006/math">
+                    <m:r>
+                      <m:t>E</m:t>
+                    </m:r>
+                    <m:r>
+                      <m:t>n</m:t>
+                    </m:r>
+                    <m:r>
+                      <m:t>d</m:t>
+                    </m:r>
+                    <m:r>
+                      <m:rPr>
+                        <m:sty m:val="p"/>
+                      </m:rPr>
+                      <m:t>−</m:t>
+                    </m:r>
+                    <m:r>
+                      <m:t>O</m:t>
+                    </m:r>
+                    <m:r>
+                      <m:t>f</m:t>
+                    </m:r>
+                    <m:r>
+                      <m:rPr>
+                        <m:sty m:val="p"/>
+                      </m:rPr>
+                      <m:t>−</m:t>
+                    </m:r>
+                    <m:r>
+                      <m:t>W</m:t>
+                    </m:r>
+                    <m:r>
+                      <m:t>e</m:t>
+                    </m:r>
+                    <m:r>
+                      <m:t>e</m:t>
+                    </m:r>
+                    <m:r>
+                      <m:t>k</m:t>
+                    </m:r>
+                    <m:r>
+                      <m:rPr>
+                        <m:sty m:val="p"/>
+                      </m:rPr>
+                      <m:t>−</m:t>
+                    </m:r>
+                    <m:r>
+                      <m:t>1</m:t>
+                    </m:r>
+                    <m:r>
+                      <m:rPr>
+                        <m:sty m:val="p"/>
+                      </m:rPr>
+                      <m:t>−</m:t>
+                    </m:r>
+                    <m:r>
+                      <m:t>M</m:t>
+                    </m:r>
+                    <m:r>
+                      <m:t>o</m:t>
+                    </m:r>
+                    <m:r>
+                      <m:t>d</m:t>
+                    </m:r>
+                    <m:r>
+                      <m:t>u</m:t>
+                    </m:r>
+                    <m:r>
+                      <m:t>l</m:t>
+                    </m:r>
+                    <m:r>
+                      <m:t>e</m:t>
+                    </m:r>
+                  </m:oMath>
+                </a14:m>
+              </a:p>
+            </p:txBody>
+          </p:sp>
+        </mc:Choice>
+      </mc:AlternateContent>
+    </p:spTree>
+  </p:cSld>
+</p:sld>
+</file>
+
+<file path=ppt/slides/slide2.xml><?xml version="1.0" encoding="utf-8"?>
+<p:sld xmlns:a="http://schemas.openxmlformats.org/drawingml/2006/main" xmlns:r="http://schemas.openxmlformats.org/officeDocument/2006/relationships" xmlns:p="http://schemas.openxmlformats.org/presentationml/2006/main">
+  <p:cSld>
+    <p:spTree>
+      <p:nvGrpSpPr>
+        <p:cNvPr id="1" name=""/>
+        <p:cNvGrpSpPr/>
+        <p:nvPr/>
+      </p:nvGrpSpPr>
+      <p:grpSpPr>
+        <a:xfrm>
+          <a:off x="0" y="0"/>
+          <a:ext cx="0" cy="0"/>
+          <a:chOff x="0" y="0"/>
+          <a:chExt cx="0" cy="0"/>
+        </a:xfrm>
+      </p:grpSpPr>
+      <p:sp>
+        <p:nvSpPr>
+          <p:cNvPr id="2" name="Title 1"/>
+          <p:cNvSpPr>
+            <a:spLocks noGrp="1"/>
+          </p:cNvSpPr>
+          <p:nvPr>
+            <p:ph type="title"/>
+          </p:nvPr>
+        </p:nvSpPr>
+        <p:spPr/>
+        <p:txBody>
+          <a:bodyPr/>
+          <a:lstStyle/>
+          <a:p>
+            <a:pPr lvl="0" indent="0" marL="0">
+              <a:buNone/>
+            </a:pPr>
+            <a:r>
+              <a:rPr/>
+              <a:t>Örnek Ders Adı</a:t>
+            </a:r>
+          </a:p>
+        </p:txBody>
+      </p:sp>
+      <p:sp>
+        <p:nvSpPr>
+          <p:cNvPr id="3" name="Content Placeholder 2"/>
+          <p:cNvSpPr>
+            <a:spLocks noGrp="1"/>
+          </p:cNvSpPr>
+          <p:nvPr>
+            <p:ph idx="1"/>
+          </p:nvPr>
+        </p:nvSpPr>
+        <p:spPr/>
+        <p:txBody>
+          <a:bodyPr/>
+          <a:lstStyle/>
+          <a:p>
+            <a:pPr lvl="0" indent="0" marL="0">
+              <a:spcBef>
+                <a:spcPts val="3000"/>
+              </a:spcBef>
+              <a:buNone/>
+            </a:pPr>
+            <a:r>
+              <a:rPr b="1"/>
+              <a:t>Hafta-1 (Örnek Ders Modülü Adı)</a:t>
+            </a:r>
+          </a:p>
+          <a:p>
+            <a:pPr lvl="0" indent="0" marL="0">
+              <a:spcBef>
+                <a:spcPts val="3000"/>
+              </a:spcBef>
+              <a:buNone/>
+            </a:pPr>
+            <a:r>
+              <a:rPr b="1"/>
+              <a:t>Bahar Dönemi, 20XX-20XX</a:t>
+            </a:r>
+          </a:p>
+          <a:p>
+            <a:pPr lvl="0" indent="0" marL="0">
+              <a:buNone/>
+            </a:pPr>
+            <a:r>
+              <a:rPr/>
+              <a:t>İndir </a:t>
+            </a:r>
+            <a:r>
+              <a:rPr>
+                <a:hlinkClick r:id="rId2"/>
+              </a:rPr>
+              <a:t>DOC</a:t>
+            </a:r>
+            <a:r>
+              <a:rPr/>
+              <a:t>, </a:t>
+            </a:r>
+            <a:r>
+              <a:rPr>
+                <a:hlinkClick r:id="rId3"/>
+              </a:rPr>
+              <a:t>SLIDE</a:t>
+            </a:r>
+            <a:r>
+              <a:rPr/>
+              <a:t>, </a:t>
+            </a:r>
+            <a:r>
+              <a:rPr>
+                <a:hlinkClick r:id="rId4"/>
+              </a:rPr>
+              <a:t>PPTX</a:t>
+            </a:r>
+          </a:p>
+        </p:txBody>
+      </p:sp>
+    </p:spTree>
+  </p:cSld>
+</p:sld>
+</file>
+
+<file path=ppt/slides/slide3.xml><?xml version="1.0" encoding="utf-8"?>
 <p:sld xmlns:a="http://schemas.openxmlformats.org/drawingml/2006/main" xmlns:r="http://schemas.openxmlformats.org/officeDocument/2006/relationships" xmlns:p="http://schemas.openxmlformats.org/presentationml/2006/main">
   <p:cSld>
     <p:spTree>
@@ -3256,11 +3473,23 @@
           <a:lstStyle/>
           <a:p>
             <a:pPr lvl="0" indent="0" marL="0">
+              <a:spcBef>
+                <a:spcPts val="3000"/>
+              </a:spcBef>
               <a:buNone/>
             </a:pPr>
             <a:r>
+              <a:rPr b="1"/>
+              <a:t>Anahat</a:t>
+            </a:r>
+          </a:p>
+          <a:p>
+            <a:pPr lvl="0" indent="0" marL="0">
+              <a:buNone/>
+            </a:pPr>
+            <a:r>
               <a:rPr/>
-              <a:t> bg left:50% h:800px</a:t>
+              <a:t>-Google’ı kullanma</a:t>
             </a:r>
           </a:p>
         </p:txBody>
@@ -3270,7 +3499,7 @@
 </p:sld>
 </file>
 
-<file path=ppt/slides/slide11.xml><?xml version="1.0" encoding="utf-8"?>
+<file path=ppt/slides/slide4.xml><?xml version="1.0" encoding="utf-8"?>
 <p:sld xmlns:a="http://schemas.openxmlformats.org/drawingml/2006/main" xmlns:r="http://schemas.openxmlformats.org/officeDocument/2006/relationships" xmlns:p="http://schemas.openxmlformats.org/presentationml/2006/main">
   <p:cSld>
     <p:spTree>
@@ -3289,12 +3518,12 @@
       </p:grpSpPr>
       <p:sp>
         <p:nvSpPr>
-          <p:cNvPr id="4" name="Text Placeholder 3"/>
+          <p:cNvPr id="2" name="Title 1"/>
           <p:cNvSpPr>
             <a:spLocks noGrp="1"/>
           </p:cNvSpPr>
           <p:nvPr>
-            <p:ph idx="2" sz="half" type="body"/>
+            <p:ph type="title"/>
           </p:nvPr>
         </p:nvSpPr>
         <p:spPr/>
@@ -3303,6 +3532,40 @@
           <a:lstStyle/>
           <a:p>
             <a:pPr lvl="0" indent="0" marL="0">
+              <a:buNone/>
+            </a:pPr>
+            <a:r>
+              <a:rPr b="1"/>
+              <a:t>Örnek Konu</a:t>
+            </a:r>
+          </a:p>
+        </p:txBody>
+      </p:sp>
+      <p:sp>
+        <p:nvSpPr>
+          <p:cNvPr id="3" name="Content Placeholder 2"/>
+          <p:cNvSpPr>
+            <a:spLocks noGrp="1"/>
+          </p:cNvSpPr>
+          <p:nvPr>
+            <p:ph idx="1"/>
+          </p:nvPr>
+        </p:nvSpPr>
+        <p:spPr/>
+        <p:txBody>
+          <a:bodyPr/>
+          <a:lstStyle/>
+          <a:p>
+            <a:pPr lvl="0" indent="0" marL="0">
+              <a:buNone/>
+            </a:pPr>
+            <a:r>
+              <a:rPr/>
+              <a:t>—Google nasıl kullanılabilir?</a:t>
+            </a:r>
+          </a:p>
+          <a:p>
+            <a:pPr lvl="0" indent="0" marL="0">
               <a:spcBef>
                 <a:spcPts val="3000"/>
               </a:spcBef>
@@ -3310,78 +3573,249 @@
             </a:pPr>
             <a:r>
               <a:rPr b="1"/>
-              <a:t>Örnek Resimler-6</a:t>
+              <a:t>Örnek Konu</a:t>
             </a:r>
           </a:p>
           <a:p>
             <a:pPr lvl="0"/>
             <a:r>
               <a:rPr b="1"/>
-              <a:t>Lorem Ipsum nedir?</a:t>
+              <a:t>Google nedir?</a:t>
             </a:r>
             <a:r>
               <a:rPr/>
-              <a:t> Lorem Ipsum, basım ve dizgi endüstrisinin basit bir sahte metnidir. Lorem Ipsum, 1500’lerden beri endüstrinin standart sahte metni olmuştur.</a:t>
-            </a:r>
-          </a:p>
-        </p:txBody>
-      </p:sp>
-      <p:pic>
-        <p:nvPicPr>
-          <p:cNvPr descr="assets/sample-1.png" id="0" name="Picture 1"/>
-          <p:cNvPicPr>
-            <a:picLocks noGrp="1" noChangeAspect="1"/>
-          </p:cNvPicPr>
-          <p:nvPr/>
-        </p:nvPicPr>
-        <p:blipFill>
-          <a:blip r:embed="rId2"/>
-          <a:stretch>
-            <a:fillRect/>
-          </a:stretch>
-        </p:blipFill>
-        <p:spPr bwMode="auto">
-          <a:xfrm>
-            <a:off x="4749800" y="266700"/>
-            <a:ext cx="2743200" cy="5334000"/>
-          </a:xfrm>
-          <a:prstGeom prst="rect">
-            <a:avLst/>
-          </a:prstGeom>
-          <a:noFill/>
-          <a:ln w="9525">
-            <a:noFill/>
-            <a:headEnd/>
-            <a:tailEnd/>
-          </a:ln>
-        </p:spPr>
-      </p:pic>
-      <p:sp>
-        <p:nvSpPr>
-          <p:cNvPr id="1" name="TextBox 3"/>
-          <p:cNvSpPr txBox="1"/>
-          <p:nvPr/>
-        </p:nvSpPr>
-        <p:spPr>
-          <a:xfrm>
-            <a:off x="3568700" y="5600700"/>
-            <a:ext cx="5105400" cy="508000"/>
-          </a:xfrm>
-          <a:prstGeom prst="rect">
-            <a:avLst/>
-          </a:prstGeom>
-          <a:noFill/>
-        </p:spPr>
-        <p:txBody>
-          <a:bodyPr/>
-          <a:lstStyle/>
-          <a:p>
-            <a:pPr lvl="0" indent="0" marL="0" algn="ctr">
+              <a:t> Sahip olduğu özellikler nedeniyle “dünyanın en güçlü şirketi. ve dünyanın </a:t>
+            </a:r>
+            <a:r>
+              <a:rPr>
+                <a:hlinkClick r:id="rId2"/>
+              </a:rPr>
+              <a:t>en değerli markalarından</a:t>
+            </a:r>
+            <a:r>
+              <a:rPr/>
+              <a:t> olarak anılmıştır. yapay zeka alanında pazar hakimiyeti, veri toplama ve teknolojik avantajlar. Ana şirketi </a:t>
+            </a:r>
+            <a:r>
+              <a:rPr>
+                <a:hlinkClick r:id="rId3"/>
+              </a:rPr>
+              <a:t>Alphabet</a:t>
+            </a:r>
+            <a:r>
+              <a:rPr/>
+              <a:t> [Büyük] Beş](https://en.wikipedia.org/wiki/Big_Tech”Big Tech”) Amerikan </a:t>
+            </a:r>
+            <a:r>
+              <a:rPr>
+                <a:hlinkClick r:id="rId4"/>
+              </a:rPr>
+              <a:t>bilgi teknolojisi</a:t>
+            </a:r>
+            <a:r>
+              <a:rPr/>
+              <a:t> şirketi, [Amazon] ](https://en.wikipedia.org/wiki/Amazon_(şirket) “Amazon (şirket)”), </a:t>
+            </a:r>
+            <a:r>
+              <a:rPr>
+                <a:hlinkClick r:id="rId5"/>
+              </a:rPr>
+              <a:t>Apple</a:t>
+            </a:r>
+            <a:r>
+              <a:rPr/>
+              <a:t> , </a:t>
+            </a:r>
+            <a:r>
+              <a:rPr>
+                <a:hlinkClick r:id="rId6"/>
+              </a:rPr>
+              <a:t>Meta</a:t>
+            </a:r>
+            <a:r>
+              <a:rPr/>
+              <a:t> ve </a:t>
+            </a:r>
+            <a:r>
+              <a:rPr>
+                <a:hlinkClick r:id="rId7"/>
+              </a:rPr>
+              <a:t>Microsoft</a:t>
+            </a:r>
+            <a:r>
+              <a:rPr/>
+              <a:t>. —</a:t>
+            </a:r>
+          </a:p>
+          <a:p>
+            <a:pPr lvl="0" indent="0" marL="0">
               <a:buNone/>
             </a:pPr>
             <a:r>
               <a:rPr/>
-              <a:t>bg left:50% h:300px</a:t>
+              <a:t>Örnek Konu</a:t>
+            </a:r>
+          </a:p>
+          <a:p>
+            <a:pPr lvl="0"/>
+            <a:r>
+              <a:rPr b="1"/>
+              <a:t>Google nedir?</a:t>
+            </a:r>
+            <a:r>
+              <a:rPr/>
+              <a:t> Google, 4 Eylül 1998’de </a:t>
+            </a:r>
+            <a:r>
+              <a:rPr>
+                <a:hlinkClick r:id="rId8"/>
+              </a:rPr>
+              <a:t>Larry Page</a:t>
+            </a:r>
+            <a:r>
+              <a:rPr/>
+              <a:t> ve </a:t>
+            </a:r>
+            <a:r>
+              <a:rPr>
+                <a:hlinkClick r:id="rId9"/>
+              </a:rPr>
+              <a:t>Sergey Brin</a:t>
+            </a:r>
+            <a:r>
+              <a:rPr/>
+              <a:t> tarafından kurulmuştur. /Sergey_Brin “Sergey Brin”), wiki/Stanford_University “Stanford Üniversitesi”) </a:t>
+            </a:r>
+            <a:r>
+              <a:rPr>
+                <a:hlinkClick r:id="rId10"/>
+              </a:rPr>
+              <a:t>California</a:t>
+            </a:r>
+            <a:r>
+              <a:rPr/>
+              <a:t>. Birlikte, halka açık hisselerin yaklaşık %14’üne sahipler ve </a:t>
+            </a:r>
+            <a:r>
+              <a:rPr>
+                <a:hlinkClick r:id="rId11"/>
+              </a:rPr>
+              <a:t>süper oylama hissesi</a:t>
+            </a:r>
+            <a:r>
+              <a:rPr/>
+              <a:t> aracılığıyla hissedar oy gücünün %56’sını kontrol ediyorlar. . Şirket, </a:t>
+            </a:r>
+            <a:r>
+              <a:rPr>
+                <a:hlinkClick r:id="rId12"/>
+              </a:rPr>
+              <a:t>ilk halka arz</a:t>
+            </a:r>
+            <a:r>
+              <a:rPr/>
+              <a:t> (IPO) 2004 yılında.</a:t>
+            </a:r>
+          </a:p>
+          <a:p>
+            <a:pPr lvl="0" indent="0" marL="0">
+              <a:spcBef>
+                <a:spcPts val="3000"/>
+              </a:spcBef>
+              <a:buNone/>
+            </a:pPr>
+            <a:r>
+              <a:rPr b="1"/>
+              <a:t>Google Play’de Google LLC’den Android Uygulamaları</a:t>
+            </a:r>
+          </a:p>
+          <a:p>
+            <a:pPr lvl="0" indent="0" marL="0">
+              <a:spcBef>
+                <a:spcPts val="3000"/>
+              </a:spcBef>
+              <a:buNone/>
+            </a:pPr>
+            <a:r>
+              <a:rPr b="1"/>
+              <a:t>Örnek Resimler-2</a:t>
+            </a:r>
+          </a:p>
+          <a:p>
+            <a:pPr lvl="0"/>
+            <a:r>
+              <a:rPr/>
+              <a:t>*</a:t>
+            </a:r>
+            <a:r>
+              <a:rPr b="1"/>
+              <a:t>Google nedir?</a:t>
+            </a:r>
+            <a:r>
+              <a:rPr/>
+              <a:t> In 2015, Google was reorganized as a wholly owned subsidiary of Alphabet Inc. Google is Alphabet’s largest subsidiary and is a </a:t>
+            </a:r>
+            <a:r>
+              <a:rPr>
+                <a:hlinkClick r:id="rId13"/>
+              </a:rPr>
+              <a:t>holding company</a:t>
+            </a:r>
+            <a:r>
+              <a:rPr/>
+              <a:t> for Alphabet’s Internet properties and interests. </a:t>
+            </a:r>
+            <a:r>
+              <a:rPr>
+                <a:hlinkClick r:id="rId14"/>
+              </a:rPr>
+              <a:t>Sundar Pichai</a:t>
+            </a:r>
+            <a:r>
+              <a:rPr/>
+              <a:t> was appointed CEO of Google on October 24, 2015, replacing Larry Page, who became the CEO of Alphabet. On December 3, 2019, Pichai also became the CEO of Alphabet.</a:t>
+            </a:r>
+          </a:p>
+          <a:p>
+            <a:pPr lvl="0" indent="0" marL="0">
+              <a:spcBef>
+                <a:spcPts val="3000"/>
+              </a:spcBef>
+              <a:buNone/>
+            </a:pPr>
+            <a:r>
+              <a:rPr b="1"/>
+              <a:t>Google Chrome - Vikipedi</a:t>
+            </a:r>
+          </a:p>
+          <a:p>
+            <a:pPr lvl="0" indent="0" marL="0">
+              <a:spcBef>
+                <a:spcPts val="3000"/>
+              </a:spcBef>
+              <a:buNone/>
+            </a:pPr>
+            <a:r>
+              <a:rPr b="1"/>
+              <a:t>Örnek Resimler-3</a:t>
+            </a:r>
+          </a:p>
+          <a:p>
+            <a:pPr lvl="0"/>
+            <a:r>
+              <a:rPr b="1"/>
+              <a:t>Google nedir?</a:t>
+            </a:r>
+            <a:r>
+              <a:rPr/>
+              <a:t> Google Chrome is one of the most popular web browsers because of its fast performance, stability, efficiency, and top-notch security. And if you use Gmail, Chrome makes the transition from checking your email to surfing the web seamless.</a:t>
+            </a:r>
+          </a:p>
+          <a:p>
+            <a:pPr lvl="0"/>
+            <a:r>
+              <a:rPr/>
+              <a:t>Browse All of Google’s Products &amp; Services - Google</a:t>
             </a:r>
           </a:p>
         </p:txBody>
@@ -3391,7 +3825,7 @@
 </p:sld>
 </file>
 
-<file path=ppt/slides/slide12.xml><?xml version="1.0" encoding="utf-8"?>
+<file path=ppt/slides/slide5.xml><?xml version="1.0" encoding="utf-8"?>
 <p:sld xmlns:a="http://schemas.openxmlformats.org/drawingml/2006/main" xmlns:r="http://schemas.openxmlformats.org/officeDocument/2006/relationships" xmlns:p="http://schemas.openxmlformats.org/presentationml/2006/main">
   <p:cSld>
     <p:spTree>
@@ -3424,11 +3858,25 @@
           <a:lstStyle/>
           <a:p>
             <a:pPr lvl="0" indent="0" marL="0">
+              <a:spcBef>
+                <a:spcPts val="3000"/>
+              </a:spcBef>
               <a:buNone/>
             </a:pPr>
             <a:r>
+              <a:rPr b="1"/>
+              <a:t>Örnek Resimler-4</a:t>
+            </a:r>
+          </a:p>
+          <a:p>
+            <a:pPr lvl="0"/>
+            <a:r>
+              <a:rPr b="1"/>
+              <a:t>Google nasıl indirilir?</a:t>
+            </a:r>
+            <a:r>
               <a:rPr/>
-              <a:t> bg left:50% h:500px</a:t>
+              <a:t> Google Chrome internet sine git. Google Chrome’u indirmek için herhangi bir internet tarayıcısını kullanabilirsin. Bir tarayıcı yüklemediysen, işletim sisteminin önceden yüklenmiş internet tarayıcısını (Windows için Internet Explorer ve Mac OS X için Safari) kullanabilirsin.</a:t>
             </a:r>
           </a:p>
         </p:txBody>
@@ -3438,7 +3886,7 @@
 </p:sld>
 </file>
 
-<file path=ppt/slides/slide13.xml><?xml version="1.0" encoding="utf-8"?>
+<file path=ppt/slides/slide6.xml><?xml version="1.0" encoding="utf-8"?>
 <p:sld xmlns:a="http://schemas.openxmlformats.org/drawingml/2006/main" xmlns:r="http://schemas.openxmlformats.org/officeDocument/2006/relationships" xmlns:p="http://schemas.openxmlformats.org/presentationml/2006/main">
   <p:cSld>
     <p:spTree>
@@ -4915,7 +5363,7 @@
 </p:sld>
 </file>
 
-<file path=ppt/slides/slide14.xml><?xml version="1.0" encoding="utf-8"?>
+<file path=ppt/slides/slide7.xml><?xml version="1.0" encoding="utf-8"?>
 <p:sld xmlns:a="http://schemas.openxmlformats.org/drawingml/2006/main" xmlns:r="http://schemas.openxmlformats.org/officeDocument/2006/relationships" xmlns:p="http://schemas.openxmlformats.org/presentationml/2006/main">
   <p:cSld>
     <p:spTree>
@@ -6250,7 +6698,7 @@
 </p:sld>
 </file>
 
-<file path=ppt/slides/slide15.xml><?xml version="1.0" encoding="utf-8"?>
+<file path=ppt/slides/slide8.xml><?xml version="1.0" encoding="utf-8"?>
 <p:sld xmlns:a="http://schemas.openxmlformats.org/drawingml/2006/main" xmlns:r="http://schemas.openxmlformats.org/officeDocument/2006/relationships" xmlns:p="http://schemas.openxmlformats.org/presentationml/2006/main">
   <p:cSld>
     <p:spTree>
@@ -6301,7 +6749,7 @@
 </p:sld>
 </file>
 
-<file path=ppt/slides/slide16.xml><?xml version="1.0" encoding="utf-8"?>
+<file path=ppt/slides/slide9.xml><?xml version="1.0" encoding="utf-8"?>
 <p:sld xmlns:a="http://schemas.openxmlformats.org/drawingml/2006/main" xmlns:r="http://schemas.openxmlformats.org/officeDocument/2006/relationships" xmlns:p="http://schemas.openxmlformats.org/presentationml/2006/main">
   <p:cSld>
     <p:spTree>
@@ -6390,1030 +6838,6 @@
             <a:r>
               <a:rPr/>
               <a:t>https://www.sciencedirect.com/science/article/abs/pii/S2214212621002623</a:t>
-            </a:r>
-          </a:p>
-        </p:txBody>
-      </p:sp>
-    </p:spTree>
-  </p:cSld>
-</p:sld>
-</file>
-
-<file path=ppt/slides/slide17.xml><?xml version="1.0" encoding="utf-8"?>
-<p:sld xmlns:a="http://schemas.openxmlformats.org/drawingml/2006/main" xmlns:r="http://schemas.openxmlformats.org/officeDocument/2006/relationships" xmlns:p="http://schemas.openxmlformats.org/presentationml/2006/main">
-  <p:cSld>
-    <p:spTree>
-      <p:nvGrpSpPr>
-        <p:cNvPr id="1" name=""/>
-        <p:cNvGrpSpPr/>
-        <p:nvPr/>
-      </p:nvGrpSpPr>
-      <p:grpSpPr>
-        <a:xfrm>
-          <a:off x="0" y="0"/>
-          <a:ext cx="0" cy="0"/>
-          <a:chOff x="0" y="0"/>
-          <a:chExt cx="0" cy="0"/>
-        </a:xfrm>
-      </p:grpSpPr>
-      <mc:AlternateContent xmlns:mc="http://schemas.openxmlformats.org/markup-compatibility/2006">
-        <mc:Choice xmlns:a14="http://schemas.microsoft.com/office/drawing/2010/main" Requires="a14">
-          <p:sp>
-            <p:nvSpPr>
-              <p:cNvPr id="3" name="Content Placeholder 2"/>
-              <p:cNvSpPr>
-                <a:spLocks noGrp="1"/>
-              </p:cNvSpPr>
-              <p:nvPr>
-                <p:ph idx="1"/>
-              </p:nvPr>
-            </p:nvSpPr>
-            <p:spPr/>
-            <p:txBody>
-              <a:bodyPr/>
-              <a:lstStyle/>
-              <a:p>
-                <a:pPr lvl="0" indent="0" marL="0">
-                  <a:buNone/>
-                </a:pPr>
-                <a14:m>
-                  <m:oMath xmlns:m="http://schemas.openxmlformats.org/officeDocument/2006/math">
-                    <m:r>
-                      <m:t>E</m:t>
-                    </m:r>
-                    <m:r>
-                      <m:t>n</m:t>
-                    </m:r>
-                    <m:r>
-                      <m:t>d</m:t>
-                    </m:r>
-                    <m:r>
-                      <m:rPr>
-                        <m:sty m:val="p"/>
-                      </m:rPr>
-                      <m:t>−</m:t>
-                    </m:r>
-                    <m:r>
-                      <m:t>O</m:t>
-                    </m:r>
-                    <m:r>
-                      <m:t>f</m:t>
-                    </m:r>
-                    <m:r>
-                      <m:rPr>
-                        <m:sty m:val="p"/>
-                      </m:rPr>
-                      <m:t>−</m:t>
-                    </m:r>
-                    <m:r>
-                      <m:t>W</m:t>
-                    </m:r>
-                    <m:r>
-                      <m:t>e</m:t>
-                    </m:r>
-                    <m:r>
-                      <m:t>e</m:t>
-                    </m:r>
-                    <m:r>
-                      <m:t>k</m:t>
-                    </m:r>
-                    <m:r>
-                      <m:rPr>
-                        <m:sty m:val="p"/>
-                      </m:rPr>
-                      <m:t>−</m:t>
-                    </m:r>
-                    <m:r>
-                      <m:t>1</m:t>
-                    </m:r>
-                    <m:r>
-                      <m:rPr>
-                        <m:sty m:val="p"/>
-                      </m:rPr>
-                      <m:t>−</m:t>
-                    </m:r>
-                    <m:r>
-                      <m:t>M</m:t>
-                    </m:r>
-                    <m:r>
-                      <m:t>o</m:t>
-                    </m:r>
-                    <m:r>
-                      <m:t>d</m:t>
-                    </m:r>
-                    <m:r>
-                      <m:t>u</m:t>
-                    </m:r>
-                    <m:r>
-                      <m:t>l</m:t>
-                    </m:r>
-                    <m:r>
-                      <m:t>e</m:t>
-                    </m:r>
-                  </m:oMath>
-                </a14:m>
-              </a:p>
-            </p:txBody>
-          </p:sp>
-        </mc:Choice>
-      </mc:AlternateContent>
-    </p:spTree>
-  </p:cSld>
-</p:sld>
-</file>
-
-<file path=ppt/slides/slide2.xml><?xml version="1.0" encoding="utf-8"?>
-<p:sld xmlns:a="http://schemas.openxmlformats.org/drawingml/2006/main" xmlns:r="http://schemas.openxmlformats.org/officeDocument/2006/relationships" xmlns:p="http://schemas.openxmlformats.org/presentationml/2006/main">
-  <p:cSld>
-    <p:spTree>
-      <p:nvGrpSpPr>
-        <p:cNvPr id="1" name=""/>
-        <p:cNvGrpSpPr/>
-        <p:nvPr/>
-      </p:nvGrpSpPr>
-      <p:grpSpPr>
-        <a:xfrm>
-          <a:off x="0" y="0"/>
-          <a:ext cx="0" cy="0"/>
-          <a:chOff x="0" y="0"/>
-          <a:chExt cx="0" cy="0"/>
-        </a:xfrm>
-      </p:grpSpPr>
-      <p:sp>
-        <p:nvSpPr>
-          <p:cNvPr id="2" name="Title 1"/>
-          <p:cNvSpPr>
-            <a:spLocks noGrp="1"/>
-          </p:cNvSpPr>
-          <p:nvPr>
-            <p:ph type="title"/>
-          </p:nvPr>
-        </p:nvSpPr>
-        <p:spPr/>
-        <p:txBody>
-          <a:bodyPr/>
-          <a:lstStyle/>
-          <a:p>
-            <a:pPr lvl="0" indent="0" marL="0">
-              <a:buNone/>
-            </a:pPr>
-            <a:r>
-              <a:rPr/>
-              <a:t>Örnek Ders Adı</a:t>
-            </a:r>
-          </a:p>
-        </p:txBody>
-      </p:sp>
-      <p:sp>
-        <p:nvSpPr>
-          <p:cNvPr id="3" name="Content Placeholder 2"/>
-          <p:cNvSpPr>
-            <a:spLocks noGrp="1"/>
-          </p:cNvSpPr>
-          <p:nvPr>
-            <p:ph idx="1"/>
-          </p:nvPr>
-        </p:nvSpPr>
-        <p:spPr/>
-        <p:txBody>
-          <a:bodyPr/>
-          <a:lstStyle/>
-          <a:p>
-            <a:pPr lvl="0" indent="0" marL="0">
-              <a:spcBef>
-                <a:spcPts val="3000"/>
-              </a:spcBef>
-              <a:buNone/>
-            </a:pPr>
-            <a:r>
-              <a:rPr b="1"/>
-              <a:t>Hafta-1 (Örnek Ders Modülü Adı)</a:t>
-            </a:r>
-          </a:p>
-          <a:p>
-            <a:pPr lvl="0" indent="0" marL="0">
-              <a:spcBef>
-                <a:spcPts val="3000"/>
-              </a:spcBef>
-              <a:buNone/>
-            </a:pPr>
-            <a:r>
-              <a:rPr b="1"/>
-              <a:t>Bahar Dönemi, 20XX-20XX</a:t>
-            </a:r>
-          </a:p>
-          <a:p>
-            <a:pPr lvl="0" indent="0" marL="0">
-              <a:buNone/>
-            </a:pPr>
-            <a:r>
-              <a:rPr/>
-              <a:t>İndir </a:t>
-            </a:r>
-            <a:r>
-              <a:rPr>
-                <a:hlinkClick r:id="rId2"/>
-              </a:rPr>
-              <a:t>DOC</a:t>
-            </a:r>
-            <a:r>
-              <a:rPr/>
-              <a:t>, </a:t>
-            </a:r>
-            <a:r>
-              <a:rPr>
-                <a:hlinkClick r:id="rId3"/>
-              </a:rPr>
-              <a:t>SLIDE</a:t>
-            </a:r>
-            <a:r>
-              <a:rPr/>
-              <a:t>, </a:t>
-            </a:r>
-            <a:r>
-              <a:rPr>
-                <a:hlinkClick r:id="rId4"/>
-              </a:rPr>
-              <a:t>PPTX</a:t>
-            </a:r>
-          </a:p>
-        </p:txBody>
-      </p:sp>
-    </p:spTree>
-  </p:cSld>
-</p:sld>
-</file>
-
-<file path=ppt/slides/slide3.xml><?xml version="1.0" encoding="utf-8"?>
-<p:sld xmlns:a="http://schemas.openxmlformats.org/drawingml/2006/main" xmlns:r="http://schemas.openxmlformats.org/officeDocument/2006/relationships" xmlns:p="http://schemas.openxmlformats.org/presentationml/2006/main">
-  <p:cSld>
-    <p:spTree>
-      <p:nvGrpSpPr>
-        <p:cNvPr id="1" name=""/>
-        <p:cNvGrpSpPr/>
-        <p:nvPr/>
-      </p:nvGrpSpPr>
-      <p:grpSpPr>
-        <a:xfrm>
-          <a:off x="0" y="0"/>
-          <a:ext cx="0" cy="0"/>
-          <a:chOff x="0" y="0"/>
-          <a:chExt cx="0" cy="0"/>
-        </a:xfrm>
-      </p:grpSpPr>
-      <p:sp>
-        <p:nvSpPr>
-          <p:cNvPr id="3" name="Content Placeholder 2"/>
-          <p:cNvSpPr>
-            <a:spLocks noGrp="1"/>
-          </p:cNvSpPr>
-          <p:nvPr>
-            <p:ph idx="1"/>
-          </p:nvPr>
-        </p:nvSpPr>
-        <p:spPr/>
-        <p:txBody>
-          <a:bodyPr/>
-          <a:lstStyle/>
-          <a:p>
-            <a:pPr lvl="0" indent="0" marL="0">
-              <a:spcBef>
-                <a:spcPts val="3000"/>
-              </a:spcBef>
-              <a:buNone/>
-            </a:pPr>
-            <a:r>
-              <a:rPr b="1"/>
-              <a:t>Anahat</a:t>
-            </a:r>
-          </a:p>
-          <a:p>
-            <a:pPr lvl="0"/>
-            <a:r>
-              <a:rPr/>
-              <a:t>Örnek Anahat</a:t>
-            </a:r>
-          </a:p>
-          <a:p>
-            <a:pPr lvl="0"/>
-            <a:r>
-              <a:rPr/>
-              <a:t>Örnek Anahat</a:t>
-            </a:r>
-          </a:p>
-          <a:p>
-            <a:pPr lvl="0"/>
-            <a:r>
-              <a:rPr/>
-              <a:t>Örnek Anahat</a:t>
-            </a:r>
-          </a:p>
-          <a:p>
-            <a:pPr lvl="0"/>
-            <a:r>
-              <a:rPr/>
-              <a:t>Örnek Anahat</a:t>
-            </a:r>
-          </a:p>
-        </p:txBody>
-      </p:sp>
-    </p:spTree>
-  </p:cSld>
-</p:sld>
-</file>
-
-<file path=ppt/slides/slide4.xml><?xml version="1.0" encoding="utf-8"?>
-<p:sld xmlns:a="http://schemas.openxmlformats.org/drawingml/2006/main" xmlns:r="http://schemas.openxmlformats.org/officeDocument/2006/relationships" xmlns:p="http://schemas.openxmlformats.org/presentationml/2006/main">
-  <p:cSld>
-    <p:spTree>
-      <p:nvGrpSpPr>
-        <p:cNvPr id="1" name=""/>
-        <p:cNvGrpSpPr/>
-        <p:nvPr/>
-      </p:nvGrpSpPr>
-      <p:grpSpPr>
-        <a:xfrm>
-          <a:off x="0" y="0"/>
-          <a:ext cx="0" cy="0"/>
-          <a:chOff x="0" y="0"/>
-          <a:chExt cx="0" cy="0"/>
-        </a:xfrm>
-      </p:grpSpPr>
-      <p:sp>
-        <p:nvSpPr>
-          <p:cNvPr id="2" name="Title 1"/>
-          <p:cNvSpPr>
-            <a:spLocks noGrp="1"/>
-          </p:cNvSpPr>
-          <p:nvPr>
-            <p:ph type="title"/>
-          </p:nvPr>
-        </p:nvSpPr>
-        <p:spPr/>
-        <p:txBody>
-          <a:bodyPr/>
-          <a:lstStyle/>
-          <a:p>
-            <a:pPr lvl="0" indent="0" marL="0">
-              <a:buNone/>
-            </a:pPr>
-            <a:r>
-              <a:rPr b="1"/>
-              <a:t>Örnek Konu</a:t>
-            </a:r>
-          </a:p>
-        </p:txBody>
-      </p:sp>
-    </p:spTree>
-  </p:cSld>
-</p:sld>
-</file>
-
-<file path=ppt/slides/slide5.xml><?xml version="1.0" encoding="utf-8"?>
-<p:sld xmlns:a="http://schemas.openxmlformats.org/drawingml/2006/main" xmlns:r="http://schemas.openxmlformats.org/officeDocument/2006/relationships" xmlns:p="http://schemas.openxmlformats.org/presentationml/2006/main">
-  <p:cSld>
-    <p:spTree>
-      <p:nvGrpSpPr>
-        <p:cNvPr id="1" name=""/>
-        <p:cNvGrpSpPr/>
-        <p:nvPr/>
-      </p:nvGrpSpPr>
-      <p:grpSpPr>
-        <a:xfrm>
-          <a:off x="0" y="0"/>
-          <a:ext cx="0" cy="0"/>
-          <a:chOff x="0" y="0"/>
-          <a:chExt cx="0" cy="0"/>
-        </a:xfrm>
-      </p:grpSpPr>
-      <p:sp>
-        <p:nvSpPr>
-          <p:cNvPr id="4" name="Text Placeholder 3"/>
-          <p:cNvSpPr>
-            <a:spLocks noGrp="1"/>
-          </p:cNvSpPr>
-          <p:nvPr>
-            <p:ph idx="2" sz="half" type="body"/>
-          </p:nvPr>
-        </p:nvSpPr>
-        <p:spPr/>
-        <p:txBody>
-          <a:bodyPr/>
-          <a:lstStyle/>
-          <a:p>
-            <a:pPr lvl="0" indent="0" marL="0">
-              <a:spcBef>
-                <a:spcPts val="3000"/>
-              </a:spcBef>
-              <a:buNone/>
-            </a:pPr>
-            <a:r>
-              <a:rPr b="1"/>
-              <a:t>Örnek Konu</a:t>
-            </a:r>
-          </a:p>
-          <a:p>
-            <a:pPr lvl="0"/>
-            <a:r>
-              <a:rPr b="1"/>
-              <a:t>Lorem Ipsum nedir?</a:t>
-            </a:r>
-            <a:r>
-              <a:rPr/>
-              <a:t> Lorem Ipsum, basım ve dizgi endüstrisinin basit bir sahte metnidir. Lorem Ipsum, 1500’lerden beri endüstrinin standart sahte metni olmuştur.</a:t>
-            </a:r>
-          </a:p>
-          <a:p>
-            <a:pPr lvl="1"/>
-            <a:r>
-              <a:rPr/>
-              <a:t>bilinmeyen bir matbaacı bir tür kadırga alıp onu bir tip numune kitabı yapmak için karıştırdığında. Sadece beş yüzyıl hayatta kalmadı,</a:t>
-            </a:r>
-          </a:p>
-          <a:p>
-            <a:pPr lvl="2"/>
-            <a:r>
-              <a:rPr/>
-              <a:t>ama aynı zamanda, esasen değişmeden kalan elektronik dizgiye geçiş.</a:t>
-            </a:r>
-          </a:p>
-          <a:p>
-            <a:pPr lvl="0" indent="0" marL="0">
-              <a:spcBef>
-                <a:spcPts val="3000"/>
-              </a:spcBef>
-              <a:buNone/>
-            </a:pPr>
-            <a:r>
-              <a:rPr b="1"/>
-              <a:t>1960’larda Lorem Ipsum pasajları içeren Letraset sayfalarının yayınlanmasıyla ve daha yakın zamanda Aldus PageMaker gibi Lorem Ipsum sürümlerini içeren masaüstü yayıncılık yazılımlarıyla popüler hale geldi.</a:t>
-            </a:r>
-          </a:p>
-          <a:p>
-            <a:pPr lvl="0" indent="0" marL="0">
-              <a:spcBef>
-                <a:spcPts val="3000"/>
-              </a:spcBef>
-              <a:buNone/>
-            </a:pPr>
-            <a:r>
-              <a:rPr b="1"/>
-              <a:t>Örnek Resimler-1</a:t>
-            </a:r>
-          </a:p>
-          <a:p>
-            <a:pPr lvl="0"/>
-            <a:r>
-              <a:rPr b="1"/>
-              <a:t>Lorem Ipsum nedir?</a:t>
-            </a:r>
-            <a:r>
-              <a:rPr/>
-              <a:t> Lorem Ipsum, basım ve dizgi endüstrisinin basit bir sahte metnidir. Lorem Ipsum, 1500’lerden beri endüstrinin standart sahte metni olmuştur.</a:t>
-            </a:r>
-          </a:p>
-        </p:txBody>
-      </p:sp>
-      <p:pic>
-        <p:nvPicPr>
-          <p:cNvPr descr="fig:  assets/sample-1.png" id="0" name="Picture 1"/>
-          <p:cNvPicPr>
-            <a:picLocks noGrp="1" noChangeAspect="1"/>
-          </p:cNvPicPr>
-          <p:nvPr/>
-        </p:nvPicPr>
-        <p:blipFill>
-          <a:blip r:embed="rId2"/>
-          <a:stretch>
-            <a:fillRect/>
-          </a:stretch>
-        </p:blipFill>
-        <p:spPr bwMode="auto">
-          <a:xfrm>
-            <a:off x="4749800" y="266700"/>
-            <a:ext cx="2743200" cy="5334000"/>
-          </a:xfrm>
-          <a:prstGeom prst="rect">
-            <a:avLst/>
-          </a:prstGeom>
-          <a:noFill/>
-          <a:ln w="9525">
-            <a:noFill/>
-            <a:headEnd/>
-            <a:tailEnd/>
-          </a:ln>
-        </p:spPr>
-      </p:pic>
-      <p:sp>
-        <p:nvSpPr>
-          <p:cNvPr id="1" name="TextBox 3"/>
-          <p:cNvSpPr txBox="1"/>
-          <p:nvPr/>
-        </p:nvSpPr>
-        <p:spPr>
-          <a:xfrm>
-            <a:off x="3568700" y="5600700"/>
-            <a:ext cx="5105400" cy="508000"/>
-          </a:xfrm>
-          <a:prstGeom prst="rect">
-            <a:avLst/>
-          </a:prstGeom>
-          <a:noFill/>
-        </p:spPr>
-        <p:txBody>
-          <a:bodyPr/>
-          <a:lstStyle/>
-          <a:p>
-            <a:pPr lvl="0" indent="0" marL="0" algn="ctr">
-              <a:buNone/>
-            </a:pPr>
-            <a:r>
-              <a:rPr/>
-              <a:t>center h:400px</a:t>
-            </a:r>
-          </a:p>
-        </p:txBody>
-      </p:sp>
-    </p:spTree>
-  </p:cSld>
-</p:sld>
-</file>
-
-<file path=ppt/slides/slide6.xml><?xml version="1.0" encoding="utf-8"?>
-<p:sld xmlns:a="http://schemas.openxmlformats.org/drawingml/2006/main" xmlns:r="http://schemas.openxmlformats.org/officeDocument/2006/relationships" xmlns:p="http://schemas.openxmlformats.org/presentationml/2006/main">
-  <p:cSld>
-    <p:spTree>
-      <p:nvGrpSpPr>
-        <p:cNvPr id="1" name=""/>
-        <p:cNvGrpSpPr/>
-        <p:nvPr/>
-      </p:nvGrpSpPr>
-      <p:grpSpPr>
-        <a:xfrm>
-          <a:off x="0" y="0"/>
-          <a:ext cx="0" cy="0"/>
-          <a:chOff x="0" y="0"/>
-          <a:chExt cx="0" cy="0"/>
-        </a:xfrm>
-      </p:grpSpPr>
-      <p:sp>
-        <p:nvSpPr>
-          <p:cNvPr id="4" name="Text Placeholder 3"/>
-          <p:cNvSpPr>
-            <a:spLocks noGrp="1"/>
-          </p:cNvSpPr>
-          <p:nvPr>
-            <p:ph idx="2" sz="half" type="body"/>
-          </p:nvPr>
-        </p:nvSpPr>
-        <p:spPr/>
-        <p:txBody>
-          <a:bodyPr/>
-          <a:lstStyle/>
-          <a:p>
-            <a:pPr lvl="0" indent="0" marL="0">
-              <a:spcBef>
-                <a:spcPts val="3000"/>
-              </a:spcBef>
-              <a:buNone/>
-            </a:pPr>
-            <a:r>
-              <a:rPr b="1"/>
-              <a:t>Örnek Resimler-2</a:t>
-            </a:r>
-          </a:p>
-          <a:p>
-            <a:pPr lvl="0"/>
-            <a:r>
-              <a:rPr b="1"/>
-              <a:t>Lorem Ipsum nedir?</a:t>
-            </a:r>
-            <a:r>
-              <a:rPr/>
-              <a:t> Lorem Ipsum, basım ve dizgi endüstrisinin basit bir sahte metnidir. Lorem Ipsum, 1500’lerden beri endüstrinin standart sahte metni olmuştur.</a:t>
-            </a:r>
-          </a:p>
-        </p:txBody>
-      </p:sp>
-      <p:pic>
-        <p:nvPicPr>
-          <p:cNvPr descr="fig:  assets/sample-1.png" id="0" name="Picture 1"/>
-          <p:cNvPicPr>
-            <a:picLocks noGrp="1" noChangeAspect="1"/>
-          </p:cNvPicPr>
-          <p:nvPr/>
-        </p:nvPicPr>
-        <p:blipFill>
-          <a:blip r:embed="rId2"/>
-          <a:stretch>
-            <a:fillRect/>
-          </a:stretch>
-        </p:blipFill>
-        <p:spPr bwMode="auto">
-          <a:xfrm>
-            <a:off x="4749800" y="266700"/>
-            <a:ext cx="2743200" cy="5334000"/>
-          </a:xfrm>
-          <a:prstGeom prst="rect">
-            <a:avLst/>
-          </a:prstGeom>
-          <a:noFill/>
-          <a:ln w="9525">
-            <a:noFill/>
-            <a:headEnd/>
-            <a:tailEnd/>
-          </a:ln>
-        </p:spPr>
-      </p:pic>
-      <p:sp>
-        <p:nvSpPr>
-          <p:cNvPr id="1" name="TextBox 3"/>
-          <p:cNvSpPr txBox="1"/>
-          <p:nvPr/>
-        </p:nvSpPr>
-        <p:spPr>
-          <a:xfrm>
-            <a:off x="3568700" y="5600700"/>
-            <a:ext cx="5105400" cy="508000"/>
-          </a:xfrm>
-          <a:prstGeom prst="rect">
-            <a:avLst/>
-          </a:prstGeom>
-          <a:noFill/>
-        </p:spPr>
-        <p:txBody>
-          <a:bodyPr/>
-          <a:lstStyle/>
-          <a:p>
-            <a:pPr lvl="0" indent="0" marL="0" algn="ctr">
-              <a:buNone/>
-            </a:pPr>
-            <a:r>
-              <a:rPr/>
-              <a:t>bg right:50% h:400px</a:t>
-            </a:r>
-          </a:p>
-        </p:txBody>
-      </p:sp>
-    </p:spTree>
-  </p:cSld>
-</p:sld>
-</file>
-
-<file path=ppt/slides/slide7.xml><?xml version="1.0" encoding="utf-8"?>
-<p:sld xmlns:a="http://schemas.openxmlformats.org/drawingml/2006/main" xmlns:r="http://schemas.openxmlformats.org/officeDocument/2006/relationships" xmlns:p="http://schemas.openxmlformats.org/presentationml/2006/main">
-  <p:cSld>
-    <p:spTree>
-      <p:nvGrpSpPr>
-        <p:cNvPr id="1" name=""/>
-        <p:cNvGrpSpPr/>
-        <p:nvPr/>
-      </p:nvGrpSpPr>
-      <p:grpSpPr>
-        <a:xfrm>
-          <a:off x="0" y="0"/>
-          <a:ext cx="0" cy="0"/>
-          <a:chOff x="0" y="0"/>
-          <a:chExt cx="0" cy="0"/>
-        </a:xfrm>
-      </p:grpSpPr>
-      <p:sp>
-        <p:nvSpPr>
-          <p:cNvPr id="4" name="Text Placeholder 3"/>
-          <p:cNvSpPr>
-            <a:spLocks noGrp="1"/>
-          </p:cNvSpPr>
-          <p:nvPr>
-            <p:ph idx="2" sz="half" type="body"/>
-          </p:nvPr>
-        </p:nvSpPr>
-        <p:spPr/>
-        <p:txBody>
-          <a:bodyPr/>
-          <a:lstStyle/>
-          <a:p>
-            <a:pPr lvl="0" indent="0" marL="0">
-              <a:spcBef>
-                <a:spcPts val="3000"/>
-              </a:spcBef>
-              <a:buNone/>
-            </a:pPr>
-            <a:r>
-              <a:rPr b="1"/>
-              <a:t>Örnek Resimler-3</a:t>
-            </a:r>
-          </a:p>
-          <a:p>
-            <a:pPr lvl="0"/>
-            <a:r>
-              <a:rPr b="1"/>
-              <a:t>Lorem Ipsum nedir?</a:t>
-            </a:r>
-            <a:r>
-              <a:rPr/>
-              <a:t> Lorem Ipsum, basım ve dizgi endüstrisinin basit bir sahte metnidir. Lorem Ipsum, 1500’lerden beri endüstrinin standart sahte metni olmuştur.</a:t>
-            </a:r>
-          </a:p>
-        </p:txBody>
-      </p:sp>
-      <p:pic>
-        <p:nvPicPr>
-          <p:cNvPr descr="fig:  assets/sample-1.png" id="0" name="Picture 1"/>
-          <p:cNvPicPr>
-            <a:picLocks noGrp="1" noChangeAspect="1"/>
-          </p:cNvPicPr>
-          <p:nvPr/>
-        </p:nvPicPr>
-        <p:blipFill>
-          <a:blip r:embed="rId2"/>
-          <a:stretch>
-            <a:fillRect/>
-          </a:stretch>
-        </p:blipFill>
-        <p:spPr bwMode="auto">
-          <a:xfrm>
-            <a:off x="4749800" y="266700"/>
-            <a:ext cx="2743200" cy="5334000"/>
-          </a:xfrm>
-          <a:prstGeom prst="rect">
-            <a:avLst/>
-          </a:prstGeom>
-          <a:noFill/>
-          <a:ln w="9525">
-            <a:noFill/>
-            <a:headEnd/>
-            <a:tailEnd/>
-          </a:ln>
-        </p:spPr>
-      </p:pic>
-      <p:sp>
-        <p:nvSpPr>
-          <p:cNvPr id="1" name="TextBox 3"/>
-          <p:cNvSpPr txBox="1"/>
-          <p:nvPr/>
-        </p:nvSpPr>
-        <p:spPr>
-          <a:xfrm>
-            <a:off x="3568700" y="5600700"/>
-            <a:ext cx="5105400" cy="508000"/>
-          </a:xfrm>
-          <a:prstGeom prst="rect">
-            <a:avLst/>
-          </a:prstGeom>
-          <a:noFill/>
-        </p:spPr>
-        <p:txBody>
-          <a:bodyPr/>
-          <a:lstStyle/>
-          <a:p>
-            <a:pPr lvl="0" indent="0" marL="0" algn="ctr">
-              <a:buNone/>
-            </a:pPr>
-            <a:r>
-              <a:rPr/>
-              <a:t>bg left:50% h:400px</a:t>
-            </a:r>
-          </a:p>
-        </p:txBody>
-      </p:sp>
-    </p:spTree>
-  </p:cSld>
-</p:sld>
-</file>
-
-<file path=ppt/slides/slide8.xml><?xml version="1.0" encoding="utf-8"?>
-<p:sld xmlns:a="http://schemas.openxmlformats.org/drawingml/2006/main" xmlns:r="http://schemas.openxmlformats.org/officeDocument/2006/relationships" xmlns:p="http://schemas.openxmlformats.org/presentationml/2006/main">
-  <p:cSld>
-    <p:spTree>
-      <p:nvGrpSpPr>
-        <p:cNvPr id="1" name=""/>
-        <p:cNvGrpSpPr/>
-        <p:nvPr/>
-      </p:nvGrpSpPr>
-      <p:grpSpPr>
-        <a:xfrm>
-          <a:off x="0" y="0"/>
-          <a:ext cx="0" cy="0"/>
-          <a:chOff x="0" y="0"/>
-          <a:chExt cx="0" cy="0"/>
-        </a:xfrm>
-      </p:grpSpPr>
-      <p:sp>
-        <p:nvSpPr>
-          <p:cNvPr id="4" name="Text Placeholder 3"/>
-          <p:cNvSpPr>
-            <a:spLocks noGrp="1"/>
-          </p:cNvSpPr>
-          <p:nvPr>
-            <p:ph idx="2" sz="half" type="body"/>
-          </p:nvPr>
-        </p:nvSpPr>
-        <p:spPr/>
-        <p:txBody>
-          <a:bodyPr/>
-          <a:lstStyle/>
-          <a:p>
-            <a:pPr lvl="0" indent="0" marL="0">
-              <a:spcBef>
-                <a:spcPts val="3000"/>
-              </a:spcBef>
-              <a:buNone/>
-            </a:pPr>
-            <a:r>
-              <a:rPr b="1"/>
-              <a:t>Örnek Resimler-4</a:t>
-            </a:r>
-          </a:p>
-          <a:p>
-            <a:pPr lvl="0"/>
-            <a:r>
-              <a:rPr b="1"/>
-              <a:t>Lorem Ipsum nedir?</a:t>
-            </a:r>
-            <a:r>
-              <a:rPr/>
-              <a:t> Lorem Ipsum, basım ve dizgi endüstrisinin basit bir sahte metnidir. Lorem Ipsum, 1500’lerden beri endüstrinin standart sahte metni olmuştur.</a:t>
-            </a:r>
-          </a:p>
-        </p:txBody>
-      </p:sp>
-      <p:pic>
-        <p:nvPicPr>
-          <p:cNvPr descr="fig:  assets/sample-1.png" id="0" name="Picture 1"/>
-          <p:cNvPicPr>
-            <a:picLocks noGrp="1" noChangeAspect="1"/>
-          </p:cNvPicPr>
-          <p:nvPr/>
-        </p:nvPicPr>
-        <p:blipFill>
-          <a:blip r:embed="rId2"/>
-          <a:stretch>
-            <a:fillRect/>
-          </a:stretch>
-        </p:blipFill>
-        <p:spPr bwMode="auto">
-          <a:xfrm>
-            <a:off x="4749800" y="266700"/>
-            <a:ext cx="2743200" cy="5334000"/>
-          </a:xfrm>
-          <a:prstGeom prst="rect">
-            <a:avLst/>
-          </a:prstGeom>
-          <a:noFill/>
-          <a:ln w="9525">
-            <a:noFill/>
-            <a:headEnd/>
-            <a:tailEnd/>
-          </a:ln>
-        </p:spPr>
-      </p:pic>
-      <p:sp>
-        <p:nvSpPr>
-          <p:cNvPr id="1" name="TextBox 3"/>
-          <p:cNvSpPr txBox="1"/>
-          <p:nvPr/>
-        </p:nvSpPr>
-        <p:spPr>
-          <a:xfrm>
-            <a:off x="3568700" y="5600700"/>
-            <a:ext cx="5105400" cy="508000"/>
-          </a:xfrm>
-          <a:prstGeom prst="rect">
-            <a:avLst/>
-          </a:prstGeom>
-          <a:noFill/>
-        </p:spPr>
-        <p:txBody>
-          <a:bodyPr/>
-          <a:lstStyle/>
-          <a:p>
-            <a:pPr lvl="0" indent="0" marL="0" algn="ctr">
-              <a:buNone/>
-            </a:pPr>
-            <a:r>
-              <a:rPr/>
-              <a:t>bg h:400px</a:t>
-            </a:r>
-          </a:p>
-        </p:txBody>
-      </p:sp>
-    </p:spTree>
-  </p:cSld>
-</p:sld>
-</file>
-
-<file path=ppt/slides/slide9.xml><?xml version="1.0" encoding="utf-8"?>
-<p:sld xmlns:a="http://schemas.openxmlformats.org/drawingml/2006/main" xmlns:r="http://schemas.openxmlformats.org/officeDocument/2006/relationships" xmlns:p="http://schemas.openxmlformats.org/presentationml/2006/main">
-  <p:cSld>
-    <p:spTree>
-      <p:nvGrpSpPr>
-        <p:cNvPr id="1" name=""/>
-        <p:cNvGrpSpPr/>
-        <p:nvPr/>
-      </p:nvGrpSpPr>
-      <p:grpSpPr>
-        <a:xfrm>
-          <a:off x="0" y="0"/>
-          <a:ext cx="0" cy="0"/>
-          <a:chOff x="0" y="0"/>
-          <a:chExt cx="0" cy="0"/>
-        </a:xfrm>
-      </p:grpSpPr>
-      <p:sp>
-        <p:nvSpPr>
-          <p:cNvPr id="4" name="Text Placeholder 3"/>
-          <p:cNvSpPr>
-            <a:spLocks noGrp="1"/>
-          </p:cNvSpPr>
-          <p:nvPr>
-            <p:ph idx="2" sz="half" type="body"/>
-          </p:nvPr>
-        </p:nvSpPr>
-        <p:spPr/>
-        <p:txBody>
-          <a:bodyPr/>
-          <a:lstStyle/>
-          <a:p>
-            <a:pPr lvl="0" indent="0" marL="0">
-              <a:spcBef>
-                <a:spcPts val="3000"/>
-              </a:spcBef>
-              <a:buNone/>
-            </a:pPr>
-            <a:r>
-              <a:rPr b="1"/>
-              <a:t>Örnek Resimler-5</a:t>
-            </a:r>
-          </a:p>
-          <a:p>
-            <a:pPr lvl="0"/>
-            <a:r>
-              <a:rPr b="1"/>
-              <a:t>Lorem Ipsum nedir?</a:t>
-            </a:r>
-            <a:r>
-              <a:rPr/>
-              <a:t> Lorem Ipsum, basım ve dizgi endüstrisinin basit bir sahte metnidir. Lorem Ipsum, 1500’lerden beri endüstrinin standart sahte metni olmuştur.</a:t>
-            </a:r>
-          </a:p>
-        </p:txBody>
-      </p:sp>
-      <p:pic>
-        <p:nvPicPr>
-          <p:cNvPr descr="assets/sample-1.png" id="0" name="Picture 1"/>
-          <p:cNvPicPr>
-            <a:picLocks noGrp="1" noChangeAspect="1"/>
-          </p:cNvPicPr>
-          <p:nvPr/>
-        </p:nvPicPr>
-        <p:blipFill>
-          <a:blip r:embed="rId2"/>
-          <a:stretch>
-            <a:fillRect/>
-          </a:stretch>
-        </p:blipFill>
-        <p:spPr bwMode="auto">
-          <a:xfrm>
-            <a:off x="4749800" y="266700"/>
-            <a:ext cx="2743200" cy="5334000"/>
-          </a:xfrm>
-          <a:prstGeom prst="rect">
-            <a:avLst/>
-          </a:prstGeom>
-          <a:noFill/>
-          <a:ln w="9525">
-            <a:noFill/>
-            <a:headEnd/>
-            <a:tailEnd/>
-          </a:ln>
-        </p:spPr>
-      </p:pic>
-      <p:sp>
-        <p:nvSpPr>
-          <p:cNvPr id="1" name="TextBox 3"/>
-          <p:cNvSpPr txBox="1"/>
-          <p:nvPr/>
-        </p:nvSpPr>
-        <p:spPr>
-          <a:xfrm>
-            <a:off x="3568700" y="5600700"/>
-            <a:ext cx="5105400" cy="508000"/>
-          </a:xfrm>
-          <a:prstGeom prst="rect">
-            <a:avLst/>
-          </a:prstGeom>
-          <a:noFill/>
-        </p:spPr>
-        <p:txBody>
-          <a:bodyPr/>
-          <a:lstStyle/>
-          <a:p>
-            <a:pPr lvl="0" indent="0" marL="0" algn="ctr">
-              <a:buNone/>
-            </a:pPr>
-            <a:r>
-              <a:rPr/>
-              <a:t>bg left:50% h:800px</a:t>
             </a:r>
           </a:p>
         </p:txBody>
